--- a/KMP_presentation.pptx
+++ b/KMP_presentation.pptx
@@ -41,17 +41,16 @@
     <p:sldId id="286" r:id="rId35"/>
     <p:sldId id="287" r:id="rId36"/>
     <p:sldId id="288" r:id="rId37"/>
-    <p:sldId id="289" r:id="rId38"/>
   </p:sldIdLst>
   <p:sldSz cy="5143500" cx="9144000"/>
   <p:notesSz cx="6858000" cy="9144000"/>
   <p:embeddedFontLst>
     <p:embeddedFont>
       <p:font typeface="Proxima Nova"/>
-      <p:regular r:id="rId39"/>
-      <p:bold r:id="rId40"/>
-      <p:italic r:id="rId41"/>
-      <p:boldItalic r:id="rId42"/>
+      <p:regular r:id="rId38"/>
+      <p:bold r:id="rId39"/>
+      <p:italic r:id="rId40"/>
+      <p:boldItalic r:id="rId41"/>
     </p:embeddedFont>
   </p:embeddedFontLst>
   <p:defaultTextStyle>
@@ -2950,101 +2949,6 @@
       <p:sp>
         <p:nvSpPr>
           <p:cNvPr id="270" name="Shape 270"/>
-          <p:cNvSpPr txBox="1"/>
-          <p:nvPr>
-            <p:ph idx="1" type="body"/>
-          </p:nvPr>
-        </p:nvSpPr>
-        <p:spPr>
-          <a:xfrm>
-            <a:off x="685800" y="4343400"/>
-            <a:ext cx="5486400" cy="4114800"/>
-          </a:xfrm>
-          <a:prstGeom prst="rect">
-            <a:avLst/>
-          </a:prstGeom>
-        </p:spPr>
-        <p:txBody>
-          <a:bodyPr anchorCtr="0" anchor="t" bIns="91425" lIns="91425" rIns="91425" wrap="square" tIns="91425">
-            <a:noAutofit/>
-          </a:bodyPr>
-          <a:lstStyle/>
-          <a:p>
-            <a:pPr lvl="0">
-              <a:spcBef>
-                <a:spcPts val="0"/>
-              </a:spcBef>
-              <a:buNone/>
-            </a:pPr>
-            <a:r>
-              <a:t/>
-            </a:r>
-            <a:endParaRPr/>
-          </a:p>
-        </p:txBody>
-      </p:sp>
-    </p:spTree>
-  </p:cSld>
-  <p:clrMapOvr>
-    <a:masterClrMapping/>
-  </p:clrMapOvr>
-</p:notes>
-</file>
-
-<file path=ppt/notesSlides/notesSlide34.xml><?xml version="1.0" encoding="utf-8"?>
-<p:notes xmlns:a="http://schemas.openxmlformats.org/drawingml/2006/main" xmlns:r="http://schemas.openxmlformats.org/officeDocument/2006/relationships" xmlns:mc="http://schemas.openxmlformats.org/markup-compatibility/2006" xmlns:mv="urn:schemas-microsoft-com:mac:vml" xmlns:p="http://schemas.openxmlformats.org/presentationml/2006/main" xmlns:c="http://schemas.openxmlformats.org/drawingml/2006/chart" xmlns:dgm="http://schemas.openxmlformats.org/drawingml/2006/diagram" xmlns:o="urn:schemas-microsoft-com:office:office" xmlns:v="urn:schemas-microsoft-com:vml" xmlns:pvml="urn:schemas-microsoft-com:office:powerpoint" xmlns:com="http://schemas.openxmlformats.org/drawingml/2006/compatibility" xmlns:p14="http://schemas.microsoft.com/office/powerpoint/2010/main" xmlns:p15="http://schemas.microsoft.com/office/powerpoint/2012/main" showMasterPhAnim="0" showMasterSp="0">
-  <p:cSld>
-    <p:spTree>
-      <p:nvGrpSpPr>
-        <p:cNvPr id="273" name="Shape 273"/>
-        <p:cNvGrpSpPr/>
-        <p:nvPr/>
-      </p:nvGrpSpPr>
-      <p:grpSpPr>
-        <a:xfrm>
-          <a:off x="0" y="0"/>
-          <a:ext cx="0" cy="0"/>
-          <a:chOff x="0" y="0"/>
-          <a:chExt cx="0" cy="0"/>
-        </a:xfrm>
-      </p:grpSpPr>
-      <p:sp>
-        <p:nvSpPr>
-          <p:cNvPr id="274" name="Shape 274"/>
-          <p:cNvSpPr/>
-          <p:nvPr>
-            <p:ph idx="2" type="sldImg"/>
-          </p:nvPr>
-        </p:nvSpPr>
-        <p:spPr>
-          <a:xfrm>
-            <a:off x="381300" y="685800"/>
-            <a:ext cx="6096000" cy="3429000"/>
-          </a:xfrm>
-          <a:custGeom>
-            <a:pathLst>
-              <a:path extrusionOk="0" h="120000" w="120000">
-                <a:moveTo>
-                  <a:pt x="0" y="0"/>
-                </a:moveTo>
-                <a:lnTo>
-                  <a:pt x="120000" y="0"/>
-                </a:lnTo>
-                <a:lnTo>
-                  <a:pt x="120000" y="120000"/>
-                </a:lnTo>
-                <a:lnTo>
-                  <a:pt x="0" y="120000"/>
-                </a:lnTo>
-                <a:close/>
-              </a:path>
-            </a:pathLst>
-          </a:custGeom>
-        </p:spPr>
-      </p:sp>
-      <p:sp>
-        <p:nvSpPr>
-          <p:cNvPr id="275" name="Shape 275"/>
           <p:cNvSpPr txBox="1"/>
           <p:nvPr>
             <p:ph idx="1" type="body"/>
@@ -11332,7 +11236,7 @@
         </p:nvSpPr>
         <p:spPr>
           <a:xfrm>
-            <a:off x="311700" y="445025"/>
+            <a:off x="311700" y="456300"/>
             <a:ext cx="8520600" cy="572700"/>
           </a:xfrm>
           <a:prstGeom prst="rect">
@@ -11353,47 +11257,38 @@
             </a:pPr>
             <a:r>
               <a:rPr lang="en"/>
-              <a:t>FAULT INJECTIONS</a:t>
+              <a:t>Fault Example</a:t>
             </a:r>
           </a:p>
         </p:txBody>
       </p:sp>
-      <p:sp>
-        <p:nvSpPr>
+      <p:pic>
+        <p:nvPicPr>
           <p:cNvPr id="261" name="Shape 261"/>
-          <p:cNvSpPr txBox="1"/>
-          <p:nvPr>
-            <p:ph idx="1" type="body"/>
-          </p:nvPr>
-        </p:nvSpPr>
-        <p:spPr>
-          <a:xfrm>
-            <a:off x="311700" y="1152475"/>
-            <a:ext cx="8520600" cy="3416400"/>
-          </a:xfrm>
-          <a:prstGeom prst="rect">
-            <a:avLst/>
-          </a:prstGeom>
-        </p:spPr>
-        <p:txBody>
-          <a:bodyPr anchorCtr="0" anchor="t" bIns="91425" lIns="91425" rIns="91425" wrap="square" tIns="91425">
-            <a:noAutofit/>
-          </a:bodyPr>
-          <a:lstStyle/>
-          <a:p>
-            <a:pPr lvl="0">
-              <a:spcBef>
-                <a:spcPts val="0"/>
-              </a:spcBef>
-              <a:buNone/>
-            </a:pPr>
-            <a:r>
-              <a:t/>
-            </a:r>
-            <a:endParaRPr/>
-          </a:p>
-        </p:txBody>
-      </p:sp>
+          <p:cNvPicPr preferRelativeResize="0"/>
+          <p:nvPr/>
+        </p:nvPicPr>
+        <p:blipFill rotWithShape="1">
+          <a:blip r:embed="rId3">
+            <a:alphaModFix/>
+          </a:blip>
+          <a:srcRect b="0" l="0" r="0" t="10370"/>
+          <a:stretch/>
+        </p:blipFill>
+        <p:spPr>
+          <a:xfrm>
+            <a:off x="851787" y="1210774"/>
+            <a:ext cx="7440427" cy="3299799"/>
+          </a:xfrm>
+          <a:prstGeom prst="rect">
+            <a:avLst/>
+          </a:prstGeom>
+          <a:noFill/>
+          <a:ln>
+            <a:noFill/>
+          </a:ln>
+        </p:spPr>
+      </p:pic>
     </p:spTree>
   </p:cSld>
   <p:clrMapOvr>
@@ -11538,8 +11433,8 @@
         </p:nvSpPr>
         <p:spPr>
           <a:xfrm>
-            <a:off x="311700" y="2094150"/>
-            <a:ext cx="8520600" cy="955200"/>
+            <a:off x="311700" y="445025"/>
+            <a:ext cx="8520600" cy="572700"/>
           </a:xfrm>
           <a:prstGeom prst="rect">
             <a:avLst/>
@@ -11558,67 +11453,6 @@
               <a:buNone/>
             </a:pPr>
             <a:r>
-              <a:rPr lang="en" sz="6000"/>
-              <a:t>Questions??</a:t>
-            </a:r>
-          </a:p>
-        </p:txBody>
-      </p:sp>
-    </p:spTree>
-  </p:cSld>
-  <p:clrMapOvr>
-    <a:masterClrMapping/>
-  </p:clrMapOvr>
-</p:sld>
-</file>
-
-<file path=ppt/slides/slide34.xml><?xml version="1.0" encoding="utf-8"?>
-<p:sld xmlns:a="http://schemas.openxmlformats.org/drawingml/2006/main" xmlns:r="http://schemas.openxmlformats.org/officeDocument/2006/relationships" xmlns:mc="http://schemas.openxmlformats.org/markup-compatibility/2006" xmlns:mv="urn:schemas-microsoft-com:mac:vml" xmlns:p="http://schemas.openxmlformats.org/presentationml/2006/main" xmlns:c="http://schemas.openxmlformats.org/drawingml/2006/chart" xmlns:dgm="http://schemas.openxmlformats.org/drawingml/2006/diagram" xmlns:o="urn:schemas-microsoft-com:office:office" xmlns:v="urn:schemas-microsoft-com:vml" xmlns:pvml="urn:schemas-microsoft-com:office:powerpoint" xmlns:com="http://schemas.openxmlformats.org/drawingml/2006/compatibility" xmlns:p14="http://schemas.microsoft.com/office/powerpoint/2010/main" xmlns:p15="http://schemas.microsoft.com/office/powerpoint/2012/main">
-  <p:cSld>
-    <p:spTree>
-      <p:nvGrpSpPr>
-        <p:cNvPr id="276" name="Shape 276"/>
-        <p:cNvGrpSpPr/>
-        <p:nvPr/>
-      </p:nvGrpSpPr>
-      <p:grpSpPr>
-        <a:xfrm>
-          <a:off x="0" y="0"/>
-          <a:ext cx="0" cy="0"/>
-          <a:chOff x="0" y="0"/>
-          <a:chExt cx="0" cy="0"/>
-        </a:xfrm>
-      </p:grpSpPr>
-      <p:sp>
-        <p:nvSpPr>
-          <p:cNvPr id="277" name="Shape 277"/>
-          <p:cNvSpPr txBox="1"/>
-          <p:nvPr>
-            <p:ph type="title"/>
-          </p:nvPr>
-        </p:nvSpPr>
-        <p:spPr>
-          <a:xfrm>
-            <a:off x="311700" y="445025"/>
-            <a:ext cx="8520600" cy="572700"/>
-          </a:xfrm>
-          <a:prstGeom prst="rect">
-            <a:avLst/>
-          </a:prstGeom>
-        </p:spPr>
-        <p:txBody>
-          <a:bodyPr anchorCtr="0" anchor="t" bIns="91425" lIns="91425" rIns="91425" wrap="square" tIns="91425">
-            <a:noAutofit/>
-          </a:bodyPr>
-          <a:lstStyle/>
-          <a:p>
-            <a:pPr lvl="0" algn="ctr">
-              <a:spcBef>
-                <a:spcPts val="0"/>
-              </a:spcBef>
-              <a:buNone/>
-            </a:pPr>
-            <a:r>
               <a:rPr lang="en"/>
               <a:t>Works Cited</a:t>
             </a:r>
@@ -11627,7 +11461,7 @@
       </p:sp>
       <p:sp>
         <p:nvSpPr>
-          <p:cNvPr id="278" name="Shape 278"/>
+          <p:cNvPr id="273" name="Shape 273"/>
           <p:cNvSpPr txBox="1"/>
           <p:nvPr>
             <p:ph idx="1" type="body"/>
@@ -12824,6 +12658,285 @@
 </file>
 
 <file path=ppt/theme/theme1.xml><?xml version="1.0" encoding="utf-8"?>
+<a:theme xmlns:a="http://schemas.openxmlformats.org/drawingml/2006/main" xmlns:r="http://schemas.openxmlformats.org/officeDocument/2006/relationships" name="Custom Theme">
+  <a:themeElements>
+    <a:clrScheme name="Default">
+      <a:dk1>
+        <a:srgbClr val="000000"/>
+      </a:dk1>
+      <a:lt1>
+        <a:srgbClr val="FFFFFF"/>
+      </a:lt1>
+      <a:dk2>
+        <a:srgbClr val="158158"/>
+      </a:dk2>
+      <a:lt2>
+        <a:srgbClr val="F3F3F3"/>
+      </a:lt2>
+      <a:accent1>
+        <a:srgbClr val="058DC7"/>
+      </a:accent1>
+      <a:accent2>
+        <a:srgbClr val="50B432"/>
+      </a:accent2>
+      <a:accent3>
+        <a:srgbClr val="ED561B"/>
+      </a:accent3>
+      <a:accent4>
+        <a:srgbClr val="EDEF00"/>
+      </a:accent4>
+      <a:accent5>
+        <a:srgbClr val="24CBE5"/>
+      </a:accent5>
+      <a:accent6>
+        <a:srgbClr val="64E572"/>
+      </a:accent6>
+      <a:hlink>
+        <a:srgbClr val="2200CC"/>
+      </a:hlink>
+      <a:folHlink>
+        <a:srgbClr val="551A8B"/>
+      </a:folHlink>
+    </a:clrScheme>
+    <a:fontScheme name="Office">
+      <a:majorFont>
+        <a:latin typeface="Arial"/>
+        <a:ea typeface=""/>
+        <a:cs typeface=""/>
+        <a:font script="Jpan" typeface="ＭＳ Ｐゴシック"/>
+        <a:font script="Hang" typeface="맑은 고딕"/>
+        <a:font script="Hans" typeface="宋体"/>
+        <a:font script="Hant" typeface="新細明體"/>
+        <a:font script="Arab" typeface="Times New Roman"/>
+        <a:font script="Hebr" typeface="Times New Roman"/>
+        <a:font script="Thai" typeface="Angsana New"/>
+        <a:font script="Ethi" typeface="Nyala"/>
+        <a:font script="Beng" typeface="Vrinda"/>
+        <a:font script="Gujr" typeface="Shruti"/>
+        <a:font script="Khmr" typeface="MoolBoran"/>
+        <a:font script="Knda" typeface="Tunga"/>
+        <a:font script="Guru" typeface="Raavi"/>
+        <a:font script="Cans" typeface="Euphemia"/>
+        <a:font script="Cher" typeface="Plantagenet Cherokee"/>
+        <a:font script="Yiii" typeface="Microsoft Yi Baiti"/>
+        <a:font script="Tibt" typeface="Microsoft Himalaya"/>
+        <a:font script="Thaa" typeface="MV Boli"/>
+        <a:font script="Deva" typeface="Mangal"/>
+        <a:font script="Telu" typeface="Gautami"/>
+        <a:font script="Taml" typeface="Latha"/>
+        <a:font script="Syrc" typeface="Estrangelo Edessa"/>
+        <a:font script="Orya" typeface="Kalinga"/>
+        <a:font script="Mlym" typeface="Kartika"/>
+        <a:font script="Laoo" typeface="DokChampa"/>
+        <a:font script="Sinh" typeface="Iskoola Pota"/>
+        <a:font script="Mong" typeface="Mongolian Baiti"/>
+        <a:font script="Viet" typeface="Times New Roman"/>
+        <a:font script="Uigh" typeface="Microsoft Uighur"/>
+        <a:font script="Geor" typeface="Sylfaen"/>
+      </a:majorFont>
+      <a:minorFont>
+        <a:latin typeface="Arial"/>
+        <a:ea typeface=""/>
+        <a:cs typeface=""/>
+        <a:font script="Jpan" typeface="ＭＳ Ｐゴシック"/>
+        <a:font script="Hang" typeface="맑은 고딕"/>
+        <a:font script="Hans" typeface="宋体"/>
+        <a:font script="Hant" typeface="新細明體"/>
+        <a:font script="Arab" typeface="Arial"/>
+        <a:font script="Hebr" typeface="Arial"/>
+        <a:font script="Thai" typeface="Cordia New"/>
+        <a:font script="Ethi" typeface="Nyala"/>
+        <a:font script="Beng" typeface="Vrinda"/>
+        <a:font script="Gujr" typeface="Shruti"/>
+        <a:font script="Khmr" typeface="DaunPenh"/>
+        <a:font script="Knda" typeface="Tunga"/>
+        <a:font script="Guru" typeface="Raavi"/>
+        <a:font script="Cans" typeface="Euphemia"/>
+        <a:font script="Cher" typeface="Plantagenet Cherokee"/>
+        <a:font script="Yiii" typeface="Microsoft Yi Baiti"/>
+        <a:font script="Tibt" typeface="Microsoft Himalaya"/>
+        <a:font script="Thaa" typeface="MV Boli"/>
+        <a:font script="Deva" typeface="Mangal"/>
+        <a:font script="Telu" typeface="Gautami"/>
+        <a:font script="Taml" typeface="Latha"/>
+        <a:font script="Syrc" typeface="Estrangelo Edessa"/>
+        <a:font script="Orya" typeface="Kalinga"/>
+        <a:font script="Mlym" typeface="Kartika"/>
+        <a:font script="Laoo" typeface="DokChampa"/>
+        <a:font script="Sinh" typeface="Iskoola Pota"/>
+        <a:font script="Mong" typeface="Mongolian Baiti"/>
+        <a:font script="Viet" typeface="Arial"/>
+        <a:font script="Uigh" typeface="Microsoft Uighur"/>
+        <a:font script="Geor" typeface="Sylfaen"/>
+      </a:minorFont>
+    </a:fontScheme>
+    <a:fmtScheme name="Office">
+      <a:fillStyleLst>
+        <a:solidFill>
+          <a:schemeClr val="phClr"/>
+        </a:solidFill>
+        <a:gradFill rotWithShape="1">
+          <a:gsLst>
+            <a:gs pos="0">
+              <a:schemeClr val="phClr">
+                <a:tint val="50000"/>
+                <a:satMod val="300000"/>
+              </a:schemeClr>
+            </a:gs>
+            <a:gs pos="35000">
+              <a:schemeClr val="phClr">
+                <a:tint val="37000"/>
+                <a:satMod val="300000"/>
+              </a:schemeClr>
+            </a:gs>
+            <a:gs pos="100000">
+              <a:schemeClr val="phClr">
+                <a:tint val="15000"/>
+                <a:satMod val="350000"/>
+              </a:schemeClr>
+            </a:gs>
+          </a:gsLst>
+          <a:lin ang="16200000" scaled="1"/>
+        </a:gradFill>
+        <a:gradFill rotWithShape="1">
+          <a:gsLst>
+            <a:gs pos="0">
+              <a:schemeClr val="phClr">
+                <a:tint val="100000"/>
+                <a:shade val="100000"/>
+                <a:satMod val="130000"/>
+              </a:schemeClr>
+            </a:gs>
+            <a:gs pos="100000">
+              <a:schemeClr val="phClr">
+                <a:tint val="50000"/>
+                <a:shade val="100000"/>
+                <a:satMod val="350000"/>
+              </a:schemeClr>
+            </a:gs>
+          </a:gsLst>
+          <a:lin ang="16200000" scaled="0"/>
+        </a:gradFill>
+      </a:fillStyleLst>
+      <a:lnStyleLst>
+        <a:ln w="9525" cap="flat" cmpd="sng" algn="ctr">
+          <a:solidFill>
+            <a:schemeClr val="phClr">
+              <a:shade val="95000"/>
+              <a:satMod val="105000"/>
+            </a:schemeClr>
+          </a:solidFill>
+          <a:prstDash val="solid"/>
+        </a:ln>
+        <a:ln w="25400" cap="flat" cmpd="sng" algn="ctr">
+          <a:solidFill>
+            <a:schemeClr val="phClr"/>
+          </a:solidFill>
+          <a:prstDash val="solid"/>
+        </a:ln>
+        <a:ln w="38100" cap="flat" cmpd="sng" algn="ctr">
+          <a:solidFill>
+            <a:schemeClr val="phClr"/>
+          </a:solidFill>
+          <a:prstDash val="solid"/>
+        </a:ln>
+      </a:lnStyleLst>
+      <a:effectStyleLst>
+        <a:effectStyle>
+          <a:effectLst>
+            <a:outerShdw blurRad="40000" dist="20000" dir="5400000" rotWithShape="0">
+              <a:srgbClr val="000000">
+                <a:alpha val="38000"/>
+              </a:srgbClr>
+            </a:outerShdw>
+          </a:effectLst>
+        </a:effectStyle>
+        <a:effectStyle>
+          <a:effectLst>
+            <a:outerShdw blurRad="40000" dist="23000" dir="5400000" rotWithShape="0">
+              <a:srgbClr val="000000">
+                <a:alpha val="35000"/>
+              </a:srgbClr>
+            </a:outerShdw>
+          </a:effectLst>
+        </a:effectStyle>
+        <a:effectStyle>
+          <a:effectLst>
+            <a:outerShdw blurRad="40000" dist="23000" dir="5400000" rotWithShape="0">
+              <a:srgbClr val="000000">
+                <a:alpha val="35000"/>
+              </a:srgbClr>
+            </a:outerShdw>
+          </a:effectLst>
+          <a:scene3d>
+            <a:camera prst="orthographicFront">
+              <a:rot lat="0" lon="0" rev="0"/>
+            </a:camera>
+            <a:lightRig rig="threePt" dir="t">
+              <a:rot lat="0" lon="0" rev="1200000"/>
+            </a:lightRig>
+          </a:scene3d>
+          <a:sp3d>
+            <a:bevelT w="63500" h="25400"/>
+          </a:sp3d>
+        </a:effectStyle>
+      </a:effectStyleLst>
+      <a:bgFillStyleLst>
+        <a:solidFill>
+          <a:schemeClr val="phClr"/>
+        </a:solidFill>
+        <a:gradFill rotWithShape="1">
+          <a:gsLst>
+            <a:gs pos="0">
+              <a:schemeClr val="phClr">
+                <a:tint val="40000"/>
+                <a:satMod val="350000"/>
+              </a:schemeClr>
+            </a:gs>
+            <a:gs pos="40000">
+              <a:schemeClr val="phClr">
+                <a:tint val="45000"/>
+                <a:shade val="99000"/>
+                <a:satMod val="350000"/>
+              </a:schemeClr>
+            </a:gs>
+            <a:gs pos="100000">
+              <a:schemeClr val="phClr">
+                <a:shade val="20000"/>
+                <a:satMod val="255000"/>
+              </a:schemeClr>
+            </a:gs>
+          </a:gsLst>
+          <a:path path="circle">
+            <a:fillToRect l="50000" t="-80000" r="50000" b="180000"/>
+          </a:path>
+        </a:gradFill>
+        <a:gradFill rotWithShape="1">
+          <a:gsLst>
+            <a:gs pos="0">
+              <a:schemeClr val="phClr">
+                <a:tint val="80000"/>
+                <a:satMod val="300000"/>
+              </a:schemeClr>
+            </a:gs>
+            <a:gs pos="100000">
+              <a:schemeClr val="phClr">
+                <a:shade val="30000"/>
+                <a:satMod val="200000"/>
+              </a:schemeClr>
+            </a:gs>
+          </a:gsLst>
+          <a:path path="circle">
+            <a:fillToRect l="50000" t="50000" r="50000" b="50000"/>
+          </a:path>
+        </a:gradFill>
+      </a:bgFillStyleLst>
+    </a:fmtScheme>
+  </a:themeElements>
+</a:theme>
+</file>
+
+<file path=ppt/theme/theme2.xml><?xml version="1.0" encoding="utf-8"?>
 <a:theme xmlns:a="http://schemas.openxmlformats.org/drawingml/2006/main" xmlns:r="http://schemas.openxmlformats.org/officeDocument/2006/relationships" name="Spearmint">
   <a:themeElements>
     <a:clrScheme name="Spearmint">
@@ -13100,283 +13213,4 @@
     </a:fmtScheme>
   </a:themeElements>
 </a:theme>
-</file>
-
-<file path=ppt/theme/theme2.xml><?xml version="1.0" encoding="utf-8"?>
-<a:theme xmlns:a="http://schemas.openxmlformats.org/drawingml/2006/main" xmlns:r="http://schemas.openxmlformats.org/officeDocument/2006/relationships" name="Custom Theme">
-  <a:themeElements>
-    <a:clrScheme name="Default">
-      <a:dk1>
-        <a:srgbClr val="000000"/>
-      </a:dk1>
-      <a:lt1>
-        <a:srgbClr val="FFFFFF"/>
-      </a:lt1>
-      <a:dk2>
-        <a:srgbClr val="158158"/>
-      </a:dk2>
-      <a:lt2>
-        <a:srgbClr val="F3F3F3"/>
-      </a:lt2>
-      <a:accent1>
-        <a:srgbClr val="058DC7"/>
-      </a:accent1>
-      <a:accent2>
-        <a:srgbClr val="50B432"/>
-      </a:accent2>
-      <a:accent3>
-        <a:srgbClr val="ED561B"/>
-      </a:accent3>
-      <a:accent4>
-        <a:srgbClr val="EDEF00"/>
-      </a:accent4>
-      <a:accent5>
-        <a:srgbClr val="24CBE5"/>
-      </a:accent5>
-      <a:accent6>
-        <a:srgbClr val="64E572"/>
-      </a:accent6>
-      <a:hlink>
-        <a:srgbClr val="2200CC"/>
-      </a:hlink>
-      <a:folHlink>
-        <a:srgbClr val="551A8B"/>
-      </a:folHlink>
-    </a:clrScheme>
-    <a:fontScheme name="Office">
-      <a:majorFont>
-        <a:latin typeface="Arial"/>
-        <a:ea typeface=""/>
-        <a:cs typeface=""/>
-        <a:font script="Jpan" typeface="ＭＳ Ｐゴシック"/>
-        <a:font script="Hang" typeface="맑은 고딕"/>
-        <a:font script="Hans" typeface="宋体"/>
-        <a:font script="Hant" typeface="新細明體"/>
-        <a:font script="Arab" typeface="Times New Roman"/>
-        <a:font script="Hebr" typeface="Times New Roman"/>
-        <a:font script="Thai" typeface="Angsana New"/>
-        <a:font script="Ethi" typeface="Nyala"/>
-        <a:font script="Beng" typeface="Vrinda"/>
-        <a:font script="Gujr" typeface="Shruti"/>
-        <a:font script="Khmr" typeface="MoolBoran"/>
-        <a:font script="Knda" typeface="Tunga"/>
-        <a:font script="Guru" typeface="Raavi"/>
-        <a:font script="Cans" typeface="Euphemia"/>
-        <a:font script="Cher" typeface="Plantagenet Cherokee"/>
-        <a:font script="Yiii" typeface="Microsoft Yi Baiti"/>
-        <a:font script="Tibt" typeface="Microsoft Himalaya"/>
-        <a:font script="Thaa" typeface="MV Boli"/>
-        <a:font script="Deva" typeface="Mangal"/>
-        <a:font script="Telu" typeface="Gautami"/>
-        <a:font script="Taml" typeface="Latha"/>
-        <a:font script="Syrc" typeface="Estrangelo Edessa"/>
-        <a:font script="Orya" typeface="Kalinga"/>
-        <a:font script="Mlym" typeface="Kartika"/>
-        <a:font script="Laoo" typeface="DokChampa"/>
-        <a:font script="Sinh" typeface="Iskoola Pota"/>
-        <a:font script="Mong" typeface="Mongolian Baiti"/>
-        <a:font script="Viet" typeface="Times New Roman"/>
-        <a:font script="Uigh" typeface="Microsoft Uighur"/>
-        <a:font script="Geor" typeface="Sylfaen"/>
-      </a:majorFont>
-      <a:minorFont>
-        <a:latin typeface="Arial"/>
-        <a:ea typeface=""/>
-        <a:cs typeface=""/>
-        <a:font script="Jpan" typeface="ＭＳ Ｐゴシック"/>
-        <a:font script="Hang" typeface="맑은 고딕"/>
-        <a:font script="Hans" typeface="宋体"/>
-        <a:font script="Hant" typeface="新細明體"/>
-        <a:font script="Arab" typeface="Arial"/>
-        <a:font script="Hebr" typeface="Arial"/>
-        <a:font script="Thai" typeface="Cordia New"/>
-        <a:font script="Ethi" typeface="Nyala"/>
-        <a:font script="Beng" typeface="Vrinda"/>
-        <a:font script="Gujr" typeface="Shruti"/>
-        <a:font script="Khmr" typeface="DaunPenh"/>
-        <a:font script="Knda" typeface="Tunga"/>
-        <a:font script="Guru" typeface="Raavi"/>
-        <a:font script="Cans" typeface="Euphemia"/>
-        <a:font script="Cher" typeface="Plantagenet Cherokee"/>
-        <a:font script="Yiii" typeface="Microsoft Yi Baiti"/>
-        <a:font script="Tibt" typeface="Microsoft Himalaya"/>
-        <a:font script="Thaa" typeface="MV Boli"/>
-        <a:font script="Deva" typeface="Mangal"/>
-        <a:font script="Telu" typeface="Gautami"/>
-        <a:font script="Taml" typeface="Latha"/>
-        <a:font script="Syrc" typeface="Estrangelo Edessa"/>
-        <a:font script="Orya" typeface="Kalinga"/>
-        <a:font script="Mlym" typeface="Kartika"/>
-        <a:font script="Laoo" typeface="DokChampa"/>
-        <a:font script="Sinh" typeface="Iskoola Pota"/>
-        <a:font script="Mong" typeface="Mongolian Baiti"/>
-        <a:font script="Viet" typeface="Arial"/>
-        <a:font script="Uigh" typeface="Microsoft Uighur"/>
-        <a:font script="Geor" typeface="Sylfaen"/>
-      </a:minorFont>
-    </a:fontScheme>
-    <a:fmtScheme name="Office">
-      <a:fillStyleLst>
-        <a:solidFill>
-          <a:schemeClr val="phClr"/>
-        </a:solidFill>
-        <a:gradFill rotWithShape="1">
-          <a:gsLst>
-            <a:gs pos="0">
-              <a:schemeClr val="phClr">
-                <a:tint val="50000"/>
-                <a:satMod val="300000"/>
-              </a:schemeClr>
-            </a:gs>
-            <a:gs pos="35000">
-              <a:schemeClr val="phClr">
-                <a:tint val="37000"/>
-                <a:satMod val="300000"/>
-              </a:schemeClr>
-            </a:gs>
-            <a:gs pos="100000">
-              <a:schemeClr val="phClr">
-                <a:tint val="15000"/>
-                <a:satMod val="350000"/>
-              </a:schemeClr>
-            </a:gs>
-          </a:gsLst>
-          <a:lin ang="16200000" scaled="1"/>
-        </a:gradFill>
-        <a:gradFill rotWithShape="1">
-          <a:gsLst>
-            <a:gs pos="0">
-              <a:schemeClr val="phClr">
-                <a:tint val="100000"/>
-                <a:shade val="100000"/>
-                <a:satMod val="130000"/>
-              </a:schemeClr>
-            </a:gs>
-            <a:gs pos="100000">
-              <a:schemeClr val="phClr">
-                <a:tint val="50000"/>
-                <a:shade val="100000"/>
-                <a:satMod val="350000"/>
-              </a:schemeClr>
-            </a:gs>
-          </a:gsLst>
-          <a:lin ang="16200000" scaled="0"/>
-        </a:gradFill>
-      </a:fillStyleLst>
-      <a:lnStyleLst>
-        <a:ln w="9525" cap="flat" cmpd="sng" algn="ctr">
-          <a:solidFill>
-            <a:schemeClr val="phClr">
-              <a:shade val="95000"/>
-              <a:satMod val="105000"/>
-            </a:schemeClr>
-          </a:solidFill>
-          <a:prstDash val="solid"/>
-        </a:ln>
-        <a:ln w="25400" cap="flat" cmpd="sng" algn="ctr">
-          <a:solidFill>
-            <a:schemeClr val="phClr"/>
-          </a:solidFill>
-          <a:prstDash val="solid"/>
-        </a:ln>
-        <a:ln w="38100" cap="flat" cmpd="sng" algn="ctr">
-          <a:solidFill>
-            <a:schemeClr val="phClr"/>
-          </a:solidFill>
-          <a:prstDash val="solid"/>
-        </a:ln>
-      </a:lnStyleLst>
-      <a:effectStyleLst>
-        <a:effectStyle>
-          <a:effectLst>
-            <a:outerShdw blurRad="40000" dist="20000" dir="5400000" rotWithShape="0">
-              <a:srgbClr val="000000">
-                <a:alpha val="38000"/>
-              </a:srgbClr>
-            </a:outerShdw>
-          </a:effectLst>
-        </a:effectStyle>
-        <a:effectStyle>
-          <a:effectLst>
-            <a:outerShdw blurRad="40000" dist="23000" dir="5400000" rotWithShape="0">
-              <a:srgbClr val="000000">
-                <a:alpha val="35000"/>
-              </a:srgbClr>
-            </a:outerShdw>
-          </a:effectLst>
-        </a:effectStyle>
-        <a:effectStyle>
-          <a:effectLst>
-            <a:outerShdw blurRad="40000" dist="23000" dir="5400000" rotWithShape="0">
-              <a:srgbClr val="000000">
-                <a:alpha val="35000"/>
-              </a:srgbClr>
-            </a:outerShdw>
-          </a:effectLst>
-          <a:scene3d>
-            <a:camera prst="orthographicFront">
-              <a:rot lat="0" lon="0" rev="0"/>
-            </a:camera>
-            <a:lightRig rig="threePt" dir="t">
-              <a:rot lat="0" lon="0" rev="1200000"/>
-            </a:lightRig>
-          </a:scene3d>
-          <a:sp3d>
-            <a:bevelT w="63500" h="25400"/>
-          </a:sp3d>
-        </a:effectStyle>
-      </a:effectStyleLst>
-      <a:bgFillStyleLst>
-        <a:solidFill>
-          <a:schemeClr val="phClr"/>
-        </a:solidFill>
-        <a:gradFill rotWithShape="1">
-          <a:gsLst>
-            <a:gs pos="0">
-              <a:schemeClr val="phClr">
-                <a:tint val="40000"/>
-                <a:satMod val="350000"/>
-              </a:schemeClr>
-            </a:gs>
-            <a:gs pos="40000">
-              <a:schemeClr val="phClr">
-                <a:tint val="45000"/>
-                <a:shade val="99000"/>
-                <a:satMod val="350000"/>
-              </a:schemeClr>
-            </a:gs>
-            <a:gs pos="100000">
-              <a:schemeClr val="phClr">
-                <a:shade val="20000"/>
-                <a:satMod val="255000"/>
-              </a:schemeClr>
-            </a:gs>
-          </a:gsLst>
-          <a:path path="circle">
-            <a:fillToRect l="50000" t="-80000" r="50000" b="180000"/>
-          </a:path>
-        </a:gradFill>
-        <a:gradFill rotWithShape="1">
-          <a:gsLst>
-            <a:gs pos="0">
-              <a:schemeClr val="phClr">
-                <a:tint val="80000"/>
-                <a:satMod val="300000"/>
-              </a:schemeClr>
-            </a:gs>
-            <a:gs pos="100000">
-              <a:schemeClr val="phClr">
-                <a:shade val="30000"/>
-                <a:satMod val="200000"/>
-              </a:schemeClr>
-            </a:gs>
-          </a:gsLst>
-          <a:path path="circle">
-            <a:fillToRect l="50000" t="50000" r="50000" b="50000"/>
-          </a:path>
-        </a:gradFill>
-      </a:bgFillStyleLst>
-    </a:fmtScheme>
-  </a:themeElements>
-</a:theme>
 </file>
--- a/KMP_presentation.pptx
+++ b/KMP_presentation.pptx
@@ -41,16 +41,17 @@
     <p:sldId id="286" r:id="rId35"/>
     <p:sldId id="287" r:id="rId36"/>
     <p:sldId id="288" r:id="rId37"/>
+    <p:sldId id="289" r:id="rId38"/>
   </p:sldIdLst>
   <p:sldSz cy="5143500" cx="9144000"/>
   <p:notesSz cx="6858000" cy="9144000"/>
   <p:embeddedFontLst>
     <p:embeddedFont>
       <p:font typeface="Proxima Nova"/>
-      <p:regular r:id="rId38"/>
-      <p:bold r:id="rId39"/>
-      <p:italic r:id="rId40"/>
-      <p:boldItalic r:id="rId41"/>
+      <p:regular r:id="rId39"/>
+      <p:bold r:id="rId40"/>
+      <p:italic r:id="rId41"/>
+      <p:boldItalic r:id="rId42"/>
     </p:embeddedFont>
   </p:embeddedFontLst>
   <p:defaultTextStyle>
@@ -2045,7 +2046,7 @@
   <p:cSld>
     <p:spTree>
       <p:nvGrpSpPr>
-        <p:cNvPr id="214" name="Shape 214"/>
+        <p:cNvPr id="213" name="Shape 213"/>
         <p:cNvGrpSpPr/>
         <p:nvPr/>
       </p:nvGrpSpPr>
@@ -2059,7 +2060,7 @@
       </p:grpSpPr>
       <p:sp>
         <p:nvSpPr>
-          <p:cNvPr id="215" name="Shape 215"/>
+          <p:cNvPr id="214" name="Shape 214"/>
           <p:cNvSpPr/>
           <p:nvPr>
             <p:ph idx="2" type="sldImg"/>
@@ -2093,7 +2094,7 @@
       </p:sp>
       <p:sp>
         <p:nvSpPr>
-          <p:cNvPr id="216" name="Shape 216"/>
+          <p:cNvPr id="215" name="Shape 215"/>
           <p:cNvSpPr txBox="1"/>
           <p:nvPr>
             <p:ph idx="1" type="body"/>
@@ -2140,7 +2141,7 @@
   <p:cSld>
     <p:spTree>
       <p:nvGrpSpPr>
-        <p:cNvPr id="221" name="Shape 221"/>
+        <p:cNvPr id="220" name="Shape 220"/>
         <p:cNvGrpSpPr/>
         <p:nvPr/>
       </p:nvGrpSpPr>
@@ -2154,7 +2155,7 @@
       </p:grpSpPr>
       <p:sp>
         <p:nvSpPr>
-          <p:cNvPr id="222" name="Shape 222"/>
+          <p:cNvPr id="221" name="Shape 221"/>
           <p:cNvSpPr/>
           <p:nvPr>
             <p:ph idx="2" type="sldImg"/>
@@ -2188,7 +2189,7 @@
       </p:sp>
       <p:sp>
         <p:nvSpPr>
-          <p:cNvPr id="223" name="Shape 223"/>
+          <p:cNvPr id="222" name="Shape 222"/>
           <p:cNvSpPr txBox="1"/>
           <p:nvPr>
             <p:ph idx="1" type="body"/>
@@ -2235,7 +2236,7 @@
   <p:cSld>
     <p:spTree>
       <p:nvGrpSpPr>
-        <p:cNvPr id="228" name="Shape 228"/>
+        <p:cNvPr id="227" name="Shape 227"/>
         <p:cNvGrpSpPr/>
         <p:nvPr/>
       </p:nvGrpSpPr>
@@ -2249,7 +2250,7 @@
       </p:grpSpPr>
       <p:sp>
         <p:nvSpPr>
-          <p:cNvPr id="229" name="Shape 229"/>
+          <p:cNvPr id="228" name="Shape 228"/>
           <p:cNvSpPr/>
           <p:nvPr>
             <p:ph idx="2" type="sldImg"/>
@@ -2283,7 +2284,7 @@
       </p:sp>
       <p:sp>
         <p:nvSpPr>
-          <p:cNvPr id="230" name="Shape 230"/>
+          <p:cNvPr id="229" name="Shape 229"/>
           <p:cNvSpPr txBox="1"/>
           <p:nvPr>
             <p:ph idx="1" type="body"/>
@@ -2330,7 +2331,7 @@
   <p:cSld>
     <p:spTree>
       <p:nvGrpSpPr>
-        <p:cNvPr id="235" name="Shape 235"/>
+        <p:cNvPr id="234" name="Shape 234"/>
         <p:cNvGrpSpPr/>
         <p:nvPr/>
       </p:nvGrpSpPr>
@@ -2344,7 +2345,7 @@
       </p:grpSpPr>
       <p:sp>
         <p:nvSpPr>
-          <p:cNvPr id="236" name="Shape 236"/>
+          <p:cNvPr id="235" name="Shape 235"/>
           <p:cNvSpPr/>
           <p:nvPr>
             <p:ph idx="2" type="sldImg"/>
@@ -2378,7 +2379,7 @@
       </p:sp>
       <p:sp>
         <p:nvSpPr>
-          <p:cNvPr id="237" name="Shape 237"/>
+          <p:cNvPr id="236" name="Shape 236"/>
           <p:cNvSpPr txBox="1"/>
           <p:nvPr>
             <p:ph idx="1" type="body"/>
@@ -2425,7 +2426,7 @@
   <p:cSld>
     <p:spTree>
       <p:nvGrpSpPr>
-        <p:cNvPr id="242" name="Shape 242"/>
+        <p:cNvPr id="241" name="Shape 241"/>
         <p:cNvGrpSpPr/>
         <p:nvPr/>
       </p:nvGrpSpPr>
@@ -2439,7 +2440,7 @@
       </p:grpSpPr>
       <p:sp>
         <p:nvSpPr>
-          <p:cNvPr id="243" name="Shape 243"/>
+          <p:cNvPr id="242" name="Shape 242"/>
           <p:cNvSpPr/>
           <p:nvPr>
             <p:ph idx="2" type="sldImg"/>
@@ -2473,7 +2474,7 @@
       </p:sp>
       <p:sp>
         <p:nvSpPr>
-          <p:cNvPr id="244" name="Shape 244"/>
+          <p:cNvPr id="243" name="Shape 243"/>
           <p:cNvSpPr txBox="1"/>
           <p:nvPr>
             <p:ph idx="1" type="body"/>
@@ -2615,7 +2616,7 @@
   <p:cSld>
     <p:spTree>
       <p:nvGrpSpPr>
-        <p:cNvPr id="250" name="Shape 250"/>
+        <p:cNvPr id="248" name="Shape 248"/>
         <p:cNvGrpSpPr/>
         <p:nvPr/>
       </p:nvGrpSpPr>
@@ -2629,7 +2630,7 @@
       </p:grpSpPr>
       <p:sp>
         <p:nvSpPr>
-          <p:cNvPr id="251" name="Shape 251"/>
+          <p:cNvPr id="249" name="Shape 249"/>
           <p:cNvSpPr/>
           <p:nvPr>
             <p:ph idx="2" type="sldImg"/>
@@ -2663,7 +2664,7 @@
       </p:sp>
       <p:sp>
         <p:nvSpPr>
-          <p:cNvPr id="252" name="Shape 252"/>
+          <p:cNvPr id="250" name="Shape 250"/>
           <p:cNvSpPr txBox="1"/>
           <p:nvPr>
             <p:ph idx="1" type="body"/>
@@ -2949,6 +2950,101 @@
       <p:sp>
         <p:nvSpPr>
           <p:cNvPr id="270" name="Shape 270"/>
+          <p:cNvSpPr txBox="1"/>
+          <p:nvPr>
+            <p:ph idx="1" type="body"/>
+          </p:nvPr>
+        </p:nvSpPr>
+        <p:spPr>
+          <a:xfrm>
+            <a:off x="685800" y="4343400"/>
+            <a:ext cx="5486400" cy="4114800"/>
+          </a:xfrm>
+          <a:prstGeom prst="rect">
+            <a:avLst/>
+          </a:prstGeom>
+        </p:spPr>
+        <p:txBody>
+          <a:bodyPr anchorCtr="0" anchor="t" bIns="91425" lIns="91425" rIns="91425" wrap="square" tIns="91425">
+            <a:noAutofit/>
+          </a:bodyPr>
+          <a:lstStyle/>
+          <a:p>
+            <a:pPr lvl="0">
+              <a:spcBef>
+                <a:spcPts val="0"/>
+              </a:spcBef>
+              <a:buNone/>
+            </a:pPr>
+            <a:r>
+              <a:t/>
+            </a:r>
+            <a:endParaRPr/>
+          </a:p>
+        </p:txBody>
+      </p:sp>
+    </p:spTree>
+  </p:cSld>
+  <p:clrMapOvr>
+    <a:masterClrMapping/>
+  </p:clrMapOvr>
+</p:notes>
+</file>
+
+<file path=ppt/notesSlides/notesSlide34.xml><?xml version="1.0" encoding="utf-8"?>
+<p:notes xmlns:a="http://schemas.openxmlformats.org/drawingml/2006/main" xmlns:r="http://schemas.openxmlformats.org/officeDocument/2006/relationships" xmlns:mc="http://schemas.openxmlformats.org/markup-compatibility/2006" xmlns:mv="urn:schemas-microsoft-com:mac:vml" xmlns:p="http://schemas.openxmlformats.org/presentationml/2006/main" xmlns:c="http://schemas.openxmlformats.org/drawingml/2006/chart" xmlns:dgm="http://schemas.openxmlformats.org/drawingml/2006/diagram" xmlns:o="urn:schemas-microsoft-com:office:office" xmlns:v="urn:schemas-microsoft-com:vml" xmlns:pvml="urn:schemas-microsoft-com:office:powerpoint" xmlns:com="http://schemas.openxmlformats.org/drawingml/2006/compatibility" xmlns:p14="http://schemas.microsoft.com/office/powerpoint/2010/main" xmlns:p15="http://schemas.microsoft.com/office/powerpoint/2012/main" showMasterPhAnim="0" showMasterSp="0">
+  <p:cSld>
+    <p:spTree>
+      <p:nvGrpSpPr>
+        <p:cNvPr id="274" name="Shape 274"/>
+        <p:cNvGrpSpPr/>
+        <p:nvPr/>
+      </p:nvGrpSpPr>
+      <p:grpSpPr>
+        <a:xfrm>
+          <a:off x="0" y="0"/>
+          <a:ext cx="0" cy="0"/>
+          <a:chOff x="0" y="0"/>
+          <a:chExt cx="0" cy="0"/>
+        </a:xfrm>
+      </p:grpSpPr>
+      <p:sp>
+        <p:nvSpPr>
+          <p:cNvPr id="275" name="Shape 275"/>
+          <p:cNvSpPr/>
+          <p:nvPr>
+            <p:ph idx="2" type="sldImg"/>
+          </p:nvPr>
+        </p:nvSpPr>
+        <p:spPr>
+          <a:xfrm>
+            <a:off x="381300" y="685800"/>
+            <a:ext cx="6096000" cy="3429000"/>
+          </a:xfrm>
+          <a:custGeom>
+            <a:pathLst>
+              <a:path extrusionOk="0" h="120000" w="120000">
+                <a:moveTo>
+                  <a:pt x="0" y="0"/>
+                </a:moveTo>
+                <a:lnTo>
+                  <a:pt x="120000" y="0"/>
+                </a:lnTo>
+                <a:lnTo>
+                  <a:pt x="120000" y="120000"/>
+                </a:lnTo>
+                <a:lnTo>
+                  <a:pt x="0" y="120000"/>
+                </a:lnTo>
+                <a:close/>
+              </a:path>
+            </a:pathLst>
+          </a:custGeom>
+        </p:spPr>
+      </p:sp>
+      <p:sp>
+        <p:nvSpPr>
+          <p:cNvPr id="276" name="Shape 276"/>
           <p:cNvSpPr txBox="1"/>
           <p:nvPr>
             <p:ph idx="1" type="body"/>
@@ -7542,7 +7638,7 @@
             </a:pPr>
             <a:r>
               <a:rPr lang="en"/>
-              <a:t>KMP presentation</a:t>
+              <a:t>KMP’s Framework</a:t>
             </a:r>
           </a:p>
         </p:txBody>
@@ -8504,7 +8600,7 @@
                   <a:srgbClr val="000000"/>
                 </a:solidFill>
               </a:rPr>
-              <a:t>Because docker commands are executed via the command line, it is simple and easy to script docker commands in a bash script. For our github we have provided a Readme with detailed instructions on how to download and install Docker &amp; Docker compose. After that a single bash script will spin-up a Docker container, run docker compose, and launch the redis and nginx servers needed to run and develop on Enketo Express.</a:t>
+              <a:t>Because docker commands are executed via the command line, it is simple and easy to script docker commands in a bash script. For our github we have provided a Readme with detailed instructions on how to download and install Docker &amp; Docker compose. After that a single bash script will start a Docker container, run docker compose, and launch the redis and nginx servers needed to run and develop on Enketo Express, then our tests will be run inside the project.</a:t>
             </a:r>
           </a:p>
         </p:txBody>
@@ -8780,7 +8876,7 @@
                   <a:srgbClr val="24292E"/>
                 </a:solidFill>
               </a:rPr>
-              <a:t>We began diving into the code and looking for provided test cases. It is a good thing that Enketo is so organized and came with nice comments, as it didn’t take us long to locate the tests. We discovered that since the project is written in NodeJS, there are many components to running the built-in tests, such as :</a:t>
+              <a:t>We began diving into the code and looking for provided test cases. It is a good thing that Enketo is so organized and came with nice comments, as it didn’t take us long to locate the tests. We discovered that since the project is written in NodeJS, there are many components to running the tests, such as :</a:t>
             </a:r>
           </a:p>
           <a:p>
@@ -9858,7 +9954,7 @@
                   <a:schemeClr val="dk1"/>
                 </a:solidFill>
               </a:rPr>
-              <a:t>As specified in the instructions, we have all 25 of our test cases written in in the testCases folder that have the component being tested, the inputs to the test, the method being tested, and the expected output. As well as a working script that reads through the test cases and generates and runs the test case, pipes the output into an html file and displays the test results in a web browser.</a:t>
+              <a:t>As specified in the instructions, we have all 25 of our test cases written in in the testCases folder that have the component being tested, the inputs to the test, the method being tested, and the expected output. As well as a working script that reads through the test cases txt files, generates the appropriate tests, runs the test case, pipes the output into an html file and displays the test results in a web browser.</a:t>
             </a:r>
           </a:p>
           <a:p>
@@ -9943,7 +10039,7 @@
             </a:pPr>
             <a:r>
               <a:rPr lang="en"/>
-              <a:t>TestCases</a:t>
+              <a:t>Methods tested</a:t>
             </a:r>
           </a:p>
         </p:txBody>
@@ -9971,59 +10067,100 @@
           </a:bodyPr>
           <a:lstStyle/>
           <a:p>
-            <a:pPr lvl="0" rtl="0">
+            <a:pPr indent="-342900" lvl="0" marL="457200" rtl="0">
               <a:spcBef>
                 <a:spcPts val="0"/>
               </a:spcBef>
               <a:spcAft>
                 <a:spcPts val="0"/>
               </a:spcAft>
-              <a:buClr>
-                <a:schemeClr val="dk1"/>
-              </a:buClr>
-              <a:buSzPts val="1100"/>
-              <a:buFont typeface="Arial"/>
-              <a:buNone/>
-            </a:pPr>
-            <a:r>
-              <a:rPr lang="en" sz="1600">
-                <a:solidFill>
-                  <a:schemeClr val="dk1"/>
-                </a:solidFill>
-              </a:rPr>
-              <a:t>In our testcase.txt file, we can see a model of what the method being tested will look like to give someone who is unfamiliar with the project a better understanding of how to write a test case if they wish to. From this testcase.txt file, we found a good way to extract information using the ‘grep’ command. </a:t>
+              <a:buSzPts val="1800"/>
+              <a:buChar char="●"/>
+            </a:pPr>
+            <a:r>
+              <a:rPr lang="en"/>
+              <a:t>IsNewSubmission() (Id component)</a:t>
+            </a:r>
+          </a:p>
+          <a:p>
+            <a:pPr indent="-342900" lvl="0" marL="457200" rtl="0">
+              <a:spcBef>
+                <a:spcPts val="0"/>
+              </a:spcBef>
+              <a:spcAft>
+                <a:spcPts val="0"/>
+              </a:spcAft>
+              <a:buSzPts val="1800"/>
+              <a:buChar char="●"/>
+            </a:pPr>
+            <a:r>
+              <a:rPr lang="en"/>
+              <a:t>IsNewSubmission() (InstanceId component)</a:t>
+            </a:r>
+          </a:p>
+          <a:p>
+            <a:pPr indent="-342900" lvl="0" marL="457200" rtl="0">
+              <a:spcBef>
+                <a:spcPts val="0"/>
+              </a:spcBef>
+              <a:spcAft>
+                <a:spcPts val="0"/>
+              </a:spcAft>
+              <a:buSzPts val="1800"/>
+              <a:buChar char="●"/>
+            </a:pPr>
+            <a:r>
+              <a:rPr lang="en"/>
+              <a:t>GetRequest() (for existing Enketo ID’s)</a:t>
+            </a:r>
+          </a:p>
+          <a:p>
+            <a:pPr indent="-342900" lvl="0" marL="457200" rtl="0">
+              <a:spcBef>
+                <a:spcPts val="0"/>
+              </a:spcBef>
+              <a:spcAft>
+                <a:spcPts val="0"/>
+              </a:spcAft>
+              <a:buSzPts val="1800"/>
+              <a:buChar char="●"/>
+            </a:pPr>
+            <a:r>
+              <a:rPr lang="en"/>
+              <a:t>StoreNewSurvey()</a:t>
+            </a:r>
+          </a:p>
+          <a:p>
+            <a:pPr indent="-342900" lvl="0" marL="457200" rtl="0">
+              <a:spcBef>
+                <a:spcPts val="0"/>
+              </a:spcBef>
+              <a:spcAft>
+                <a:spcPts val="0"/>
+              </a:spcAft>
+              <a:buSzPts val="1800"/>
+              <a:buChar char="●"/>
+            </a:pPr>
+            <a:r>
+              <a:rPr lang="en"/>
+              <a:t>CacheInstance()</a:t>
+            </a:r>
+          </a:p>
+          <a:p>
+            <a:pPr indent="-342900" lvl="0" marL="457200" rtl="0">
+              <a:spcBef>
+                <a:spcPts val="0"/>
+              </a:spcBef>
+              <a:buSzPts val="1800"/>
+              <a:buChar char="●"/>
+            </a:pPr>
+            <a:r>
+              <a:rPr lang="en"/>
+              <a:t>ObtainCachedInstance()</a:t>
             </a:r>
           </a:p>
         </p:txBody>
       </p:sp>
-      <p:pic>
-        <p:nvPicPr>
-          <p:cNvPr id="213" name="Shape 213"/>
-          <p:cNvPicPr preferRelativeResize="0"/>
-          <p:nvPr/>
-        </p:nvPicPr>
-        <p:blipFill>
-          <a:blip r:embed="rId3">
-            <a:alphaModFix/>
-          </a:blip>
-          <a:stretch>
-            <a:fillRect/>
-          </a:stretch>
-        </p:blipFill>
-        <p:spPr>
-          <a:xfrm>
-            <a:off x="847725" y="2471500"/>
-            <a:ext cx="7448550" cy="2595800"/>
-          </a:xfrm>
-          <a:prstGeom prst="rect">
-            <a:avLst/>
-          </a:prstGeom>
-          <a:noFill/>
-          <a:ln>
-            <a:noFill/>
-          </a:ln>
-        </p:spPr>
-      </p:pic>
     </p:spTree>
   </p:cSld>
   <p:clrMapOvr>
@@ -10037,7 +10174,7 @@
   <p:cSld>
     <p:spTree>
       <p:nvGrpSpPr>
-        <p:cNvPr id="217" name="Shape 217"/>
+        <p:cNvPr id="216" name="Shape 216"/>
         <p:cNvGrpSpPr/>
         <p:nvPr/>
       </p:nvGrpSpPr>
@@ -10051,7 +10188,7 @@
       </p:grpSpPr>
       <p:sp>
         <p:nvSpPr>
-          <p:cNvPr id="218" name="Shape 218"/>
+          <p:cNvPr id="217" name="Shape 217"/>
           <p:cNvSpPr txBox="1"/>
           <p:nvPr>
             <p:ph type="title"/>
@@ -10080,14 +10217,14 @@
             </a:pPr>
             <a:r>
               <a:rPr lang="en"/>
-              <a:t>Grep </a:t>
+              <a:t>TestCases</a:t>
             </a:r>
           </a:p>
         </p:txBody>
       </p:sp>
       <p:sp>
         <p:nvSpPr>
-          <p:cNvPr id="219" name="Shape 219"/>
+          <p:cNvPr id="218" name="Shape 218"/>
           <p:cNvSpPr txBox="1"/>
           <p:nvPr>
             <p:ph idx="1" type="body"/>
@@ -10128,40 +10265,29 @@
                   <a:schemeClr val="dk1"/>
                 </a:solidFill>
               </a:rPr>
-              <a:t> In the simplest terms, grep (global regular expression print) will search input files for a search string, and print the lines that match it. Beginning at the first line in the file, grep copies a line into a buffer, compares it against the search string, and if the comparison passes, prints the line to the screen. Grep will repeat this process until the file runs out of lines. Notice that nowhere in this process does grep store lines or change lines.</a:t>
-            </a:r>
-          </a:p>
-          <a:p>
-            <a:pPr lvl="0">
-              <a:spcBef>
-                <a:spcPts val="0"/>
-              </a:spcBef>
-              <a:buNone/>
-            </a:pPr>
-            <a:r>
-              <a:t/>
-            </a:r>
-            <a:endParaRPr/>
+              <a:t>In our testcase.txt file, we can see a model of what the method being tested will look like to give someone who is unfamiliar with the project a better understanding of how to write a test case if they wish to. From this testcase.txt file, we found a good way to extract information using the ‘grep’ command. </a:t>
+            </a:r>
           </a:p>
         </p:txBody>
       </p:sp>
       <p:pic>
         <p:nvPicPr>
-          <p:cNvPr id="220" name="Shape 220"/>
+          <p:cNvPr id="219" name="Shape 219"/>
           <p:cNvPicPr preferRelativeResize="0"/>
           <p:nvPr/>
         </p:nvPicPr>
-        <p:blipFill rotWithShape="1">
+        <p:blipFill>
           <a:blip r:embed="rId3">
             <a:alphaModFix/>
           </a:blip>
-          <a:srcRect b="12403" l="0" r="0" t="0"/>
-          <a:stretch/>
+          <a:stretch>
+            <a:fillRect/>
+          </a:stretch>
         </p:blipFill>
         <p:spPr>
           <a:xfrm>
-            <a:off x="3019425" y="2665350"/>
-            <a:ext cx="2828925" cy="2478150"/>
+            <a:off x="847725" y="2471500"/>
+            <a:ext cx="7448550" cy="2595800"/>
           </a:xfrm>
           <a:prstGeom prst="rect">
             <a:avLst/>
@@ -10185,7 +10311,7 @@
   <p:cSld>
     <p:spTree>
       <p:nvGrpSpPr>
-        <p:cNvPr id="224" name="Shape 224"/>
+        <p:cNvPr id="223" name="Shape 223"/>
         <p:cNvGrpSpPr/>
         <p:nvPr/>
       </p:nvGrpSpPr>
@@ -10199,7 +10325,7 @@
       </p:grpSpPr>
       <p:sp>
         <p:nvSpPr>
-          <p:cNvPr id="225" name="Shape 225"/>
+          <p:cNvPr id="224" name="Shape 224"/>
           <p:cNvSpPr txBox="1"/>
           <p:nvPr>
             <p:ph type="title"/>
@@ -10228,14 +10354,14 @@
             </a:pPr>
             <a:r>
               <a:rPr lang="en"/>
-              <a:t>Getting inputs </a:t>
+              <a:t>Grep </a:t>
             </a:r>
           </a:p>
         </p:txBody>
       </p:sp>
       <p:sp>
         <p:nvSpPr>
-          <p:cNvPr id="226" name="Shape 226"/>
+          <p:cNvPr id="225" name="Shape 225"/>
           <p:cNvSpPr txBox="1"/>
           <p:nvPr>
             <p:ph idx="1" type="body"/>
@@ -10256,6 +10382,30 @@
           </a:bodyPr>
           <a:lstStyle/>
           <a:p>
+            <a:pPr lvl="0" rtl="0">
+              <a:spcBef>
+                <a:spcPts val="0"/>
+              </a:spcBef>
+              <a:spcAft>
+                <a:spcPts val="0"/>
+              </a:spcAft>
+              <a:buClr>
+                <a:schemeClr val="dk1"/>
+              </a:buClr>
+              <a:buSzPts val="1100"/>
+              <a:buFont typeface="Arial"/>
+              <a:buNone/>
+            </a:pPr>
+            <a:r>
+              <a:rPr lang="en" sz="1600">
+                <a:solidFill>
+                  <a:schemeClr val="dk1"/>
+                </a:solidFill>
+              </a:rPr>
+              <a:t> In the simplest terms, grep (global regular expression print) will search input files for a search string, and print the lines that match it. Beginning at the first line in the file, grep copies a line into a buffer, compares it against the search string, and if the comparison passes, prints the line to the screen. Grep will repeat this process until the file runs out of lines. Notice that nowhere in this process does grep store lines or change lines.</a:t>
+            </a:r>
+          </a:p>
+          <a:p>
             <a:pPr lvl="0">
               <a:spcBef>
                 <a:spcPts val="0"/>
@@ -10263,34 +10413,29 @@
               <a:buNone/>
             </a:pPr>
             <a:r>
-              <a:rPr lang="en" sz="1600">
-                <a:solidFill>
-                  <a:srgbClr val="000000"/>
-                </a:solidFill>
-              </a:rPr>
-              <a:t>This pictures shows how we used grep to read the inputs line and put the results in a variable. Note, this can be done in a loop instead of individually as shown </a:t>
-            </a:r>
+              <a:t/>
+            </a:r>
+            <a:endParaRPr/>
           </a:p>
         </p:txBody>
       </p:sp>
       <p:pic>
         <p:nvPicPr>
-          <p:cNvPr id="227" name="Shape 227"/>
+          <p:cNvPr id="226" name="Shape 226"/>
           <p:cNvPicPr preferRelativeResize="0"/>
           <p:nvPr/>
         </p:nvPicPr>
-        <p:blipFill>
+        <p:blipFill rotWithShape="1">
           <a:blip r:embed="rId3">
             <a:alphaModFix/>
           </a:blip>
-          <a:stretch>
-            <a:fillRect/>
-          </a:stretch>
+          <a:srcRect b="12403" l="0" r="0" t="0"/>
+          <a:stretch/>
         </p:blipFill>
         <p:spPr>
           <a:xfrm>
-            <a:off x="2324550" y="1988825"/>
-            <a:ext cx="4494901" cy="2980000"/>
+            <a:off x="3019425" y="2665350"/>
+            <a:ext cx="2828925" cy="2354075"/>
           </a:xfrm>
           <a:prstGeom prst="rect">
             <a:avLst/>
@@ -10314,7 +10459,7 @@
   <p:cSld>
     <p:spTree>
       <p:nvGrpSpPr>
-        <p:cNvPr id="231" name="Shape 231"/>
+        <p:cNvPr id="230" name="Shape 230"/>
         <p:cNvGrpSpPr/>
         <p:nvPr/>
       </p:nvGrpSpPr>
@@ -10328,7 +10473,7 @@
       </p:grpSpPr>
       <p:sp>
         <p:nvSpPr>
-          <p:cNvPr id="232" name="Shape 232"/>
+          <p:cNvPr id="231" name="Shape 231"/>
           <p:cNvSpPr txBox="1"/>
           <p:nvPr>
             <p:ph type="title"/>
@@ -10357,14 +10502,14 @@
             </a:pPr>
             <a:r>
               <a:rPr lang="en"/>
-              <a:t>What to do with inputs </a:t>
+              <a:t>Getting inputs </a:t>
             </a:r>
           </a:p>
         </p:txBody>
       </p:sp>
       <p:sp>
         <p:nvSpPr>
-          <p:cNvPr id="233" name="Shape 233"/>
+          <p:cNvPr id="232" name="Shape 232"/>
           <p:cNvSpPr txBox="1"/>
           <p:nvPr>
             <p:ph idx="1" type="body"/>
@@ -10385,34 +10530,26 @@
           </a:bodyPr>
           <a:lstStyle/>
           <a:p>
-            <a:pPr lvl="0" rtl="0">
-              <a:spcBef>
-                <a:spcPts val="0"/>
-              </a:spcBef>
-              <a:spcAft>
-                <a:spcPts val="0"/>
-              </a:spcAft>
-              <a:buClr>
-                <a:schemeClr val="dk1"/>
-              </a:buClr>
-              <a:buSzPts val="1100"/>
-              <a:buFont typeface="Arial"/>
-              <a:buNone/>
-            </a:pPr>
-            <a:r>
-              <a:rPr lang="en" sz="1300">
-                <a:solidFill>
-                  <a:schemeClr val="dk1"/>
+            <a:pPr lvl="0">
+              <a:spcBef>
+                <a:spcPts val="0"/>
+              </a:spcBef>
+              <a:buNone/>
+            </a:pPr>
+            <a:r>
+              <a:rPr lang="en" sz="1600">
+                <a:solidFill>
+                  <a:srgbClr val="000000"/>
                 </a:solidFill>
               </a:rPr>
-              <a:t>After all the test inputs are parsed and grouped a for loop iterates through the specified array, calls the function ‘get_new_id_path’ at the beginning of each iteration. This self-created function gives a brand new path to where the eventual test cases will be located. The function takes an already declared variable ‘path_to_test_dir’ and creates a unique file/path that is named after the test input when called, this makes it easy to separate tests by name and see what the input is without having to actually go into the file. Once each input has it’s own unique file path we are ready to generate the tests.</a:t>
+              <a:t>This picture shows how we used grep to read the inputs line and put the results in a variable. Note, this can be done in a loop instead of individually as shown </a:t>
             </a:r>
           </a:p>
         </p:txBody>
       </p:sp>
       <p:pic>
         <p:nvPicPr>
-          <p:cNvPr id="234" name="Shape 234"/>
+          <p:cNvPr id="233" name="Shape 233"/>
           <p:cNvPicPr preferRelativeResize="0"/>
           <p:nvPr/>
         </p:nvPicPr>
@@ -10426,8 +10563,8 @@
         </p:blipFill>
         <p:spPr>
           <a:xfrm>
-            <a:off x="1847850" y="2905125"/>
-            <a:ext cx="5448300" cy="2238375"/>
+            <a:off x="2324550" y="1988825"/>
+            <a:ext cx="4494901" cy="2980000"/>
           </a:xfrm>
           <a:prstGeom prst="rect">
             <a:avLst/>
@@ -10451,7 +10588,7 @@
   <p:cSld>
     <p:spTree>
       <p:nvGrpSpPr>
-        <p:cNvPr id="238" name="Shape 238"/>
+        <p:cNvPr id="237" name="Shape 237"/>
         <p:cNvGrpSpPr/>
         <p:nvPr/>
       </p:nvGrpSpPr>
@@ -10465,7 +10602,7 @@
       </p:grpSpPr>
       <p:sp>
         <p:nvSpPr>
-          <p:cNvPr id="239" name="Shape 239"/>
+          <p:cNvPr id="238" name="Shape 238"/>
           <p:cNvSpPr txBox="1"/>
           <p:nvPr>
             <p:ph type="title"/>
@@ -10494,14 +10631,14 @@
             </a:pPr>
             <a:r>
               <a:rPr lang="en"/>
-              <a:t>Generate tests</a:t>
+              <a:t>What to do with inputs </a:t>
             </a:r>
           </a:p>
         </p:txBody>
       </p:sp>
       <p:sp>
         <p:nvSpPr>
-          <p:cNvPr id="240" name="Shape 240"/>
+          <p:cNvPr id="239" name="Shape 239"/>
           <p:cNvSpPr txBox="1"/>
           <p:nvPr>
             <p:ph idx="1" type="body"/>
@@ -10521,25 +10658,6 @@
             <a:noAutofit/>
           </a:bodyPr>
           <a:lstStyle/>
-          <a:p>
-            <a:pPr lvl="0" rtl="0">
-              <a:spcBef>
-                <a:spcPts val="0"/>
-              </a:spcBef>
-              <a:spcAft>
-                <a:spcPts val="0"/>
-              </a:spcAft>
-              <a:buNone/>
-            </a:pPr>
-            <a:r>
-              <a:rPr lang="en" sz="1300">
-                <a:solidFill>
-                  <a:schemeClr val="dk1"/>
-                </a:solidFill>
-              </a:rPr>
-              <a:t>Each component being tested requires a whole slew of (different) global variables, assertions, requirements and such. Since these are necessary to keep in the testing files we found a very useful use of the ‘cat’ command here, by using cat &gt; name_of_file &lt;&lt;EOF. Doing this allows for everything underneath the cat command (and before the 2nd EOF) to be copied and pasted into a new file in a completely different directory. This made it easy to create new test files with all the required global variables and such. The ‘generate_id_test’ “$i” creates the new file and inside the method being tested, replaces a $variable parameter, with the “$i” parameter that is passed in from the id_inputs array.</a:t>
-            </a:r>
-          </a:p>
           <a:p>
             <a:pPr lvl="0" rtl="0">
               <a:spcBef>
@@ -10556,19 +10674,19 @@
               <a:buNone/>
             </a:pPr>
             <a:r>
-              <a:t/>
-            </a:r>
-            <a:endParaRPr sz="1300">
-              <a:solidFill>
-                <a:schemeClr val="dk1"/>
-              </a:solidFill>
-            </a:endParaRPr>
+              <a:rPr lang="en" sz="1300">
+                <a:solidFill>
+                  <a:schemeClr val="dk1"/>
+                </a:solidFill>
+              </a:rPr>
+              <a:t>After all the test inputs are parsed and grouped a for loop iterates through the specified array, calls the function ‘get_new_id_path’ at the beginning of each iteration. This self-created function gives a brand new path to where the eventual test cases will be located. The function takes an already declared variable ‘path_to_test_dir’ and creates a unique file/path that is named after the test input when called, this makes it easy to separate tests by name and see what the input is without having to actually go into the file. Once each input has it’s own unique file path we are ready to generate the tests.</a:t>
+            </a:r>
           </a:p>
         </p:txBody>
       </p:sp>
       <p:pic>
         <p:nvPicPr>
-          <p:cNvPr id="241" name="Shape 241"/>
+          <p:cNvPr id="240" name="Shape 240"/>
           <p:cNvPicPr preferRelativeResize="0"/>
           <p:nvPr/>
         </p:nvPicPr>
@@ -10582,8 +10700,8 @@
         </p:blipFill>
         <p:spPr>
           <a:xfrm>
-            <a:off x="1600200" y="2800350"/>
-            <a:ext cx="7076899" cy="2188850"/>
+            <a:off x="1847850" y="2905125"/>
+            <a:ext cx="5448300" cy="2238375"/>
           </a:xfrm>
           <a:prstGeom prst="rect">
             <a:avLst/>
@@ -10607,7 +10725,7 @@
   <p:cSld>
     <p:spTree>
       <p:nvGrpSpPr>
-        <p:cNvPr id="245" name="Shape 245"/>
+        <p:cNvPr id="244" name="Shape 244"/>
         <p:cNvGrpSpPr/>
         <p:nvPr/>
       </p:nvGrpSpPr>
@@ -10621,7 +10739,7 @@
       </p:grpSpPr>
       <p:sp>
         <p:nvSpPr>
-          <p:cNvPr id="246" name="Shape 246"/>
+          <p:cNvPr id="245" name="Shape 245"/>
           <p:cNvSpPr txBox="1"/>
           <p:nvPr>
             <p:ph type="title"/>
@@ -10650,14 +10768,14 @@
             </a:pPr>
             <a:r>
               <a:rPr lang="en"/>
-              <a:t>EOF</a:t>
+              <a:t>Generate tests</a:t>
             </a:r>
           </a:p>
         </p:txBody>
       </p:sp>
       <p:sp>
         <p:nvSpPr>
-          <p:cNvPr id="247" name="Shape 247"/>
+          <p:cNvPr id="246" name="Shape 246"/>
           <p:cNvSpPr txBox="1"/>
           <p:nvPr>
             <p:ph idx="1" type="body"/>
@@ -10677,6 +10795,25 @@
             <a:noAutofit/>
           </a:bodyPr>
           <a:lstStyle/>
+          <a:p>
+            <a:pPr lvl="0" rtl="0">
+              <a:spcBef>
+                <a:spcPts val="0"/>
+              </a:spcBef>
+              <a:spcAft>
+                <a:spcPts val="0"/>
+              </a:spcAft>
+              <a:buNone/>
+            </a:pPr>
+            <a:r>
+              <a:rPr lang="en" sz="1300">
+                <a:solidFill>
+                  <a:schemeClr val="dk1"/>
+                </a:solidFill>
+              </a:rPr>
+              <a:t>Each component being tested requires a whole slew of (different) global variables, assertions, requirements and such. Since these are necessary to keep in the testing files we found a very useful use of the ‘cat’ command here, by using cat &gt; name_of_file &lt;&lt;EOF. Doing this allows for everything underneath the cat command (and before the 2nd EOF) to be copied and pasted into a new file in a completely different directory. This made it easy to create new test files with all the required global variables and such. The ‘generate_id_test’ “$i” creates the new file and inside the method being tested, replaces a $variable parameter, with the “$i” parameter that is passed in from the id_inputs array.</a:t>
+            </a:r>
+          </a:p>
           <a:p>
             <a:pPr lvl="0" rtl="0">
               <a:spcBef>
@@ -10693,31 +10830,19 @@
               <a:buNone/>
             </a:pPr>
             <a:r>
-              <a:rPr lang="en" sz="1600">
-                <a:solidFill>
-                  <a:schemeClr val="dk1"/>
-                </a:solidFill>
-              </a:rPr>
-              <a:t>Here you can see that the method in the “id” testCase.txt files matches the method created in the file, with the $variable in place of the “$i” which is in place of the id_test inputs array. The 2nd EOF stop the creation of the new file. The new/overwritten test files will sit patiently after being created, until a variable named TEST_RESULTS will call the command to the run the newly created tests, and store the output of the test results into a time-stamped html file.</a:t>
-            </a:r>
-          </a:p>
-          <a:p>
-            <a:pPr lvl="0">
-              <a:spcBef>
-                <a:spcPts val="0"/>
-              </a:spcBef>
-              <a:buNone/>
-            </a:pPr>
-            <a:r>
               <a:t/>
             </a:r>
-            <a:endParaRPr sz="1600"/>
+            <a:endParaRPr sz="1300">
+              <a:solidFill>
+                <a:schemeClr val="dk1"/>
+              </a:solidFill>
+            </a:endParaRPr>
           </a:p>
         </p:txBody>
       </p:sp>
       <p:pic>
         <p:nvPicPr>
-          <p:cNvPr id="248" name="Shape 248"/>
+          <p:cNvPr id="247" name="Shape 247"/>
           <p:cNvPicPr preferRelativeResize="0"/>
           <p:nvPr/>
         </p:nvPicPr>
@@ -10731,36 +10856,8 @@
         </p:blipFill>
         <p:spPr>
           <a:xfrm>
-            <a:off x="159300" y="2609850"/>
-            <a:ext cx="5943600" cy="1819275"/>
-          </a:xfrm>
-          <a:prstGeom prst="rect">
-            <a:avLst/>
-          </a:prstGeom>
-          <a:noFill/>
-          <a:ln>
-            <a:noFill/>
-          </a:ln>
-        </p:spPr>
-      </p:pic>
-      <p:pic>
-        <p:nvPicPr>
-          <p:cNvPr id="249" name="Shape 249"/>
-          <p:cNvPicPr preferRelativeResize="0"/>
-          <p:nvPr/>
-        </p:nvPicPr>
-        <p:blipFill>
-          <a:blip r:embed="rId4">
-            <a:alphaModFix/>
-          </a:blip>
-          <a:stretch>
-            <a:fillRect/>
-          </a:stretch>
-        </p:blipFill>
-        <p:spPr>
-          <a:xfrm>
-            <a:off x="3371850" y="3990975"/>
-            <a:ext cx="5943600" cy="914400"/>
+            <a:off x="1600200" y="2800350"/>
+            <a:ext cx="7076899" cy="2188850"/>
           </a:xfrm>
           <a:prstGeom prst="rect">
             <a:avLst/>
@@ -10945,7 +11042,7 @@
   <p:cSld>
     <p:spTree>
       <p:nvGrpSpPr>
-        <p:cNvPr id="253" name="Shape 253"/>
+        <p:cNvPr id="251" name="Shape 251"/>
         <p:cNvGrpSpPr/>
         <p:nvPr/>
       </p:nvGrpSpPr>
@@ -10959,7 +11056,7 @@
       </p:grpSpPr>
       <p:sp>
         <p:nvSpPr>
-          <p:cNvPr id="254" name="Shape 254"/>
+          <p:cNvPr id="252" name="Shape 252"/>
           <p:cNvSpPr txBox="1"/>
           <p:nvPr>
             <p:ph type="title"/>
@@ -10988,18 +11085,14 @@
             </a:pPr>
             <a:r>
               <a:rPr lang="en"/>
-              <a:t>Repetition</a:t>
-            </a:r>
-            <a:r>
-              <a:rPr lang="en"/>
-              <a:t> is key</a:t>
+              <a:t>EOF</a:t>
             </a:r>
           </a:p>
         </p:txBody>
       </p:sp>
       <p:sp>
         <p:nvSpPr>
-          <p:cNvPr id="255" name="Shape 255"/>
+          <p:cNvPr id="253" name="Shape 253"/>
           <p:cNvSpPr txBox="1"/>
           <p:nvPr>
             <p:ph idx="1" type="body"/>
@@ -11040,167 +11133,79 @@
                   <a:schemeClr val="dk1"/>
                 </a:solidFill>
               </a:rPr>
-              <a:t>This procedure of ....</a:t>
-            </a:r>
-          </a:p>
-          <a:p>
-            <a:pPr indent="387350" lvl="0" rtl="0">
-              <a:spcBef>
-                <a:spcPts val="0"/>
-              </a:spcBef>
-              <a:spcAft>
-                <a:spcPts val="0"/>
-              </a:spcAft>
-              <a:buClr>
-                <a:schemeClr val="dk1"/>
-              </a:buClr>
-              <a:buSzPts val="1100"/>
-              <a:buFont typeface="Arial"/>
-              <a:buNone/>
-            </a:pPr>
-            <a:r>
-              <a:rPr lang="en" sz="1600">
-                <a:solidFill>
-                  <a:schemeClr val="dk1"/>
-                </a:solidFill>
-              </a:rPr>
-              <a:t>1) parse inputs line of testCase.txt</a:t>
-            </a:r>
-          </a:p>
-          <a:p>
-            <a:pPr indent="387350" lvl="0" rtl="0">
-              <a:spcBef>
-                <a:spcPts val="0"/>
-              </a:spcBef>
-              <a:spcAft>
-                <a:spcPts val="0"/>
-              </a:spcAft>
-              <a:buClr>
-                <a:schemeClr val="dk1"/>
-              </a:buClr>
-              <a:buSzPts val="1100"/>
-              <a:buFont typeface="Arial"/>
-              <a:buNone/>
-            </a:pPr>
-            <a:r>
-              <a:rPr lang="en" sz="1600">
-                <a:solidFill>
-                  <a:schemeClr val="dk1"/>
-                </a:solidFill>
-              </a:rPr>
-              <a:t>2) collect inputs and store into groups (arrays)</a:t>
-            </a:r>
-          </a:p>
-          <a:p>
-            <a:pPr indent="387350" lvl="0" rtl="0">
-              <a:spcBef>
-                <a:spcPts val="0"/>
-              </a:spcBef>
-              <a:spcAft>
-                <a:spcPts val="0"/>
-              </a:spcAft>
-              <a:buClr>
-                <a:schemeClr val="dk1"/>
-              </a:buClr>
-              <a:buSzPts val="1100"/>
-              <a:buFont typeface="Arial"/>
-              <a:buNone/>
-            </a:pPr>
-            <a:r>
-              <a:rPr lang="en" sz="1600">
-                <a:solidFill>
-                  <a:schemeClr val="dk1"/>
-                </a:solidFill>
-              </a:rPr>
-              <a:t>3) Iterate through the groups, and with each iteration it creates a new path for the given input by name, and runs the ‘generate_x_tests’ script that creates the new files and puts them in the correct path. </a:t>
-            </a:r>
-          </a:p>
-          <a:p>
-            <a:pPr indent="387350" lvl="0" rtl="0">
-              <a:spcBef>
-                <a:spcPts val="0"/>
-              </a:spcBef>
-              <a:spcAft>
-                <a:spcPts val="0"/>
-              </a:spcAft>
-              <a:buClr>
-                <a:schemeClr val="dk1"/>
-              </a:buClr>
-              <a:buSzPts val="1100"/>
-              <a:buFont typeface="Arial"/>
-              <a:buNone/>
-            </a:pPr>
-            <a:r>
-              <a:rPr lang="en" sz="1600">
-                <a:solidFill>
-                  <a:schemeClr val="dk1"/>
-                </a:solidFill>
-              </a:rPr>
-              <a:t>4) run the new tests, and store the results in a time-stamped html file.</a:t>
-            </a:r>
-          </a:p>
-          <a:p>
-            <a:pPr lvl="0" rtl="0">
-              <a:spcBef>
-                <a:spcPts val="0"/>
-              </a:spcBef>
-              <a:spcAft>
-                <a:spcPts val="0"/>
-              </a:spcAft>
-              <a:buClr>
-                <a:schemeClr val="dk1"/>
-              </a:buClr>
-              <a:buSzPts val="1100"/>
-              <a:buFont typeface="Arial"/>
+              <a:t>Here you can see that the method in the “id” testCase.txt files matches the method created in the file, with the $variable in place of the “$i” which is in place of the id_test inputs array. The 2nd EOF stop the creation of the new file. The new/overwritten test files will sit patiently after being created, until a variable named TEST_RESULTS will call the command to the run the newly created tests, and store the output of the test results into a time-stamped html file.</a:t>
+            </a:r>
+          </a:p>
+          <a:p>
+            <a:pPr lvl="0">
+              <a:spcBef>
+                <a:spcPts val="0"/>
+              </a:spcBef>
               <a:buNone/>
             </a:pPr>
             <a:r>
               <a:t/>
             </a:r>
-            <a:endParaRPr sz="1600">
-              <a:solidFill>
-                <a:schemeClr val="dk1"/>
-              </a:solidFill>
-            </a:endParaRPr>
-          </a:p>
-          <a:p>
-            <a:pPr lvl="0" rtl="0">
-              <a:spcBef>
-                <a:spcPts val="0"/>
-              </a:spcBef>
-              <a:spcAft>
-                <a:spcPts val="0"/>
-              </a:spcAft>
-              <a:buClr>
-                <a:schemeClr val="dk1"/>
-              </a:buClr>
-              <a:buSzPts val="1100"/>
-              <a:buFont typeface="Arial"/>
-              <a:buNone/>
-            </a:pPr>
-            <a:r>
-              <a:rPr lang="en" sz="1600">
-                <a:solidFill>
-                  <a:schemeClr val="dk1"/>
-                </a:solidFill>
-              </a:rPr>
-              <a:t>… is repeated throughout the script for each method being tested. With each new ‘generate_x_tests’ script containing the correct global variables and requirements, it is easy to keep all requirements for the different tests and it is easy to create different test files within the same script. </a:t>
-            </a:r>
-          </a:p>
-          <a:p>
-            <a:pPr lvl="0">
-              <a:spcBef>
-                <a:spcPts val="0"/>
-              </a:spcBef>
-              <a:buNone/>
-            </a:pPr>
-            <a:r>
-              <a:t/>
-            </a:r>
             <a:endParaRPr sz="1600"/>
           </a:p>
         </p:txBody>
       </p:sp>
+      <p:pic>
+        <p:nvPicPr>
+          <p:cNvPr id="254" name="Shape 254"/>
+          <p:cNvPicPr preferRelativeResize="0"/>
+          <p:nvPr/>
+        </p:nvPicPr>
+        <p:blipFill>
+          <a:blip r:embed="rId3">
+            <a:alphaModFix/>
+          </a:blip>
+          <a:stretch>
+            <a:fillRect/>
+          </a:stretch>
+        </p:blipFill>
+        <p:spPr>
+          <a:xfrm>
+            <a:off x="159300" y="2609850"/>
+            <a:ext cx="5943600" cy="1819275"/>
+          </a:xfrm>
+          <a:prstGeom prst="rect">
+            <a:avLst/>
+          </a:prstGeom>
+          <a:noFill/>
+          <a:ln>
+            <a:noFill/>
+          </a:ln>
+        </p:spPr>
+      </p:pic>
+      <p:pic>
+        <p:nvPicPr>
+          <p:cNvPr id="255" name="Shape 255"/>
+          <p:cNvPicPr preferRelativeResize="0"/>
+          <p:nvPr/>
+        </p:nvPicPr>
+        <p:blipFill>
+          <a:blip r:embed="rId4">
+            <a:alphaModFix/>
+          </a:blip>
+          <a:stretch>
+            <a:fillRect/>
+          </a:stretch>
+        </p:blipFill>
+        <p:spPr>
+          <a:xfrm>
+            <a:off x="3371850" y="3990975"/>
+            <a:ext cx="5943600" cy="914400"/>
+          </a:xfrm>
+          <a:prstGeom prst="rect">
+            <a:avLst/>
+          </a:prstGeom>
+          <a:noFill/>
+          <a:ln>
+            <a:noFill/>
+          </a:ln>
+        </p:spPr>
+      </p:pic>
     </p:spTree>
   </p:cSld>
   <p:clrMapOvr>
@@ -11236,7 +11241,7 @@
         </p:nvSpPr>
         <p:spPr>
           <a:xfrm>
-            <a:off x="311700" y="456300"/>
+            <a:off x="311700" y="445025"/>
             <a:ext cx="8520600" cy="572700"/>
           </a:xfrm>
           <a:prstGeom prst="rect">
@@ -11257,38 +11262,219 @@
             </a:pPr>
             <a:r>
               <a:rPr lang="en"/>
-              <a:t>Fault Example</a:t>
+              <a:t>Repetition</a:t>
+            </a:r>
+            <a:r>
+              <a:rPr lang="en"/>
+              <a:t> is key</a:t>
             </a:r>
           </a:p>
         </p:txBody>
       </p:sp>
-      <p:pic>
-        <p:nvPicPr>
+      <p:sp>
+        <p:nvSpPr>
           <p:cNvPr id="261" name="Shape 261"/>
-          <p:cNvPicPr preferRelativeResize="0"/>
-          <p:nvPr/>
-        </p:nvPicPr>
-        <p:blipFill rotWithShape="1">
-          <a:blip r:embed="rId3">
-            <a:alphaModFix/>
-          </a:blip>
-          <a:srcRect b="0" l="0" r="0" t="10370"/>
-          <a:stretch/>
-        </p:blipFill>
-        <p:spPr>
-          <a:xfrm>
-            <a:off x="851787" y="1210774"/>
-            <a:ext cx="7440427" cy="3299799"/>
-          </a:xfrm>
-          <a:prstGeom prst="rect">
-            <a:avLst/>
-          </a:prstGeom>
-          <a:noFill/>
-          <a:ln>
-            <a:noFill/>
-          </a:ln>
-        </p:spPr>
-      </p:pic>
+          <p:cNvSpPr txBox="1"/>
+          <p:nvPr>
+            <p:ph idx="1" type="body"/>
+          </p:nvPr>
+        </p:nvSpPr>
+        <p:spPr>
+          <a:xfrm>
+            <a:off x="311700" y="1152475"/>
+            <a:ext cx="8520600" cy="3416400"/>
+          </a:xfrm>
+          <a:prstGeom prst="rect">
+            <a:avLst/>
+          </a:prstGeom>
+        </p:spPr>
+        <p:txBody>
+          <a:bodyPr anchorCtr="0" anchor="t" bIns="91425" lIns="91425" rIns="91425" wrap="square" tIns="91425">
+            <a:noAutofit/>
+          </a:bodyPr>
+          <a:lstStyle/>
+          <a:p>
+            <a:pPr lvl="0" rtl="0">
+              <a:spcBef>
+                <a:spcPts val="0"/>
+              </a:spcBef>
+              <a:spcAft>
+                <a:spcPts val="0"/>
+              </a:spcAft>
+              <a:buClr>
+                <a:schemeClr val="dk1"/>
+              </a:buClr>
+              <a:buSzPts val="1100"/>
+              <a:buFont typeface="Arial"/>
+              <a:buNone/>
+            </a:pPr>
+            <a:r>
+              <a:rPr lang="en" sz="1600">
+                <a:solidFill>
+                  <a:schemeClr val="dk1"/>
+                </a:solidFill>
+              </a:rPr>
+              <a:t>This procedure of ....</a:t>
+            </a:r>
+          </a:p>
+          <a:p>
+            <a:pPr indent="387350" lvl="0" rtl="0">
+              <a:spcBef>
+                <a:spcPts val="0"/>
+              </a:spcBef>
+              <a:spcAft>
+                <a:spcPts val="0"/>
+              </a:spcAft>
+              <a:buClr>
+                <a:schemeClr val="dk1"/>
+              </a:buClr>
+              <a:buSzPts val="1100"/>
+              <a:buFont typeface="Arial"/>
+              <a:buNone/>
+            </a:pPr>
+            <a:r>
+              <a:rPr lang="en" sz="1600">
+                <a:solidFill>
+                  <a:schemeClr val="dk1"/>
+                </a:solidFill>
+              </a:rPr>
+              <a:t>1) parse inputs line of testCase.txt</a:t>
+            </a:r>
+          </a:p>
+          <a:p>
+            <a:pPr indent="387350" lvl="0" rtl="0">
+              <a:spcBef>
+                <a:spcPts val="0"/>
+              </a:spcBef>
+              <a:spcAft>
+                <a:spcPts val="0"/>
+              </a:spcAft>
+              <a:buClr>
+                <a:schemeClr val="dk1"/>
+              </a:buClr>
+              <a:buSzPts val="1100"/>
+              <a:buFont typeface="Arial"/>
+              <a:buNone/>
+            </a:pPr>
+            <a:r>
+              <a:rPr lang="en" sz="1600">
+                <a:solidFill>
+                  <a:schemeClr val="dk1"/>
+                </a:solidFill>
+              </a:rPr>
+              <a:t>2) collect inputs and store into groups (arrays)</a:t>
+            </a:r>
+          </a:p>
+          <a:p>
+            <a:pPr indent="387350" lvl="0" rtl="0">
+              <a:spcBef>
+                <a:spcPts val="0"/>
+              </a:spcBef>
+              <a:spcAft>
+                <a:spcPts val="0"/>
+              </a:spcAft>
+              <a:buClr>
+                <a:schemeClr val="dk1"/>
+              </a:buClr>
+              <a:buSzPts val="1100"/>
+              <a:buFont typeface="Arial"/>
+              <a:buNone/>
+            </a:pPr>
+            <a:r>
+              <a:rPr lang="en" sz="1600">
+                <a:solidFill>
+                  <a:schemeClr val="dk1"/>
+                </a:solidFill>
+              </a:rPr>
+              <a:t>3) Iterate through the groups, and with each iteration it creates a new path for the given input by name, and runs the ‘generate_x_tests’ script that creates the new files and puts them in the correct path. </a:t>
+            </a:r>
+          </a:p>
+          <a:p>
+            <a:pPr indent="387350" lvl="0" rtl="0">
+              <a:spcBef>
+                <a:spcPts val="0"/>
+              </a:spcBef>
+              <a:spcAft>
+                <a:spcPts val="0"/>
+              </a:spcAft>
+              <a:buClr>
+                <a:schemeClr val="dk1"/>
+              </a:buClr>
+              <a:buSzPts val="1100"/>
+              <a:buFont typeface="Arial"/>
+              <a:buNone/>
+            </a:pPr>
+            <a:r>
+              <a:rPr lang="en" sz="1600">
+                <a:solidFill>
+                  <a:schemeClr val="dk1"/>
+                </a:solidFill>
+              </a:rPr>
+              <a:t>4) run the new tests, and store the results in a time-stamped html file.</a:t>
+            </a:r>
+          </a:p>
+          <a:p>
+            <a:pPr lvl="0" rtl="0">
+              <a:spcBef>
+                <a:spcPts val="0"/>
+              </a:spcBef>
+              <a:spcAft>
+                <a:spcPts val="0"/>
+              </a:spcAft>
+              <a:buClr>
+                <a:schemeClr val="dk1"/>
+              </a:buClr>
+              <a:buSzPts val="1100"/>
+              <a:buFont typeface="Arial"/>
+              <a:buNone/>
+            </a:pPr>
+            <a:r>
+              <a:t/>
+            </a:r>
+            <a:endParaRPr sz="1600">
+              <a:solidFill>
+                <a:schemeClr val="dk1"/>
+              </a:solidFill>
+            </a:endParaRPr>
+          </a:p>
+          <a:p>
+            <a:pPr lvl="0" rtl="0">
+              <a:spcBef>
+                <a:spcPts val="0"/>
+              </a:spcBef>
+              <a:spcAft>
+                <a:spcPts val="0"/>
+              </a:spcAft>
+              <a:buClr>
+                <a:schemeClr val="dk1"/>
+              </a:buClr>
+              <a:buSzPts val="1100"/>
+              <a:buFont typeface="Arial"/>
+              <a:buNone/>
+            </a:pPr>
+            <a:r>
+              <a:rPr lang="en" sz="1600">
+                <a:solidFill>
+                  <a:schemeClr val="dk1"/>
+                </a:solidFill>
+              </a:rPr>
+              <a:t>… is repeated throughout the script for each method being tested. With each new ‘generate_x_tests’ script containing the correct global variables and requirements, it is easy to keep all requirements for the different tests and it is easy to create different test files within the same script. </a:t>
+            </a:r>
+          </a:p>
+          <a:p>
+            <a:pPr lvl="0">
+              <a:spcBef>
+                <a:spcPts val="0"/>
+              </a:spcBef>
+              <a:buNone/>
+            </a:pPr>
+            <a:r>
+              <a:t/>
+            </a:r>
+            <a:endParaRPr sz="1600"/>
+          </a:p>
+        </p:txBody>
+      </p:sp>
     </p:spTree>
   </p:cSld>
   <p:clrMapOvr>
@@ -11324,7 +11510,7 @@
         </p:nvSpPr>
         <p:spPr>
           <a:xfrm>
-            <a:off x="311700" y="445025"/>
+            <a:off x="311700" y="456300"/>
             <a:ext cx="8520600" cy="572700"/>
           </a:xfrm>
           <a:prstGeom prst="rect">
@@ -11345,59 +11531,38 @@
             </a:pPr>
             <a:r>
               <a:rPr lang="en"/>
-              <a:t>Lessons learned</a:t>
+              <a:t>Fault Injection Example</a:t>
             </a:r>
           </a:p>
         </p:txBody>
       </p:sp>
-      <p:sp>
-        <p:nvSpPr>
+      <p:pic>
+        <p:nvPicPr>
           <p:cNvPr id="267" name="Shape 267"/>
-          <p:cNvSpPr txBox="1"/>
-          <p:nvPr>
-            <p:ph idx="1" type="body"/>
-          </p:nvPr>
-        </p:nvSpPr>
-        <p:spPr>
-          <a:xfrm>
-            <a:off x="311700" y="1152475"/>
-            <a:ext cx="8520600" cy="3416400"/>
-          </a:xfrm>
-          <a:prstGeom prst="rect">
-            <a:avLst/>
-          </a:prstGeom>
-        </p:spPr>
-        <p:txBody>
-          <a:bodyPr anchorCtr="0" anchor="t" bIns="91425" lIns="91425" rIns="91425" wrap="square" tIns="91425">
-            <a:noAutofit/>
-          </a:bodyPr>
-          <a:lstStyle/>
-          <a:p>
-            <a:pPr lvl="0">
-              <a:spcBef>
-                <a:spcPts val="0"/>
-              </a:spcBef>
-              <a:buNone/>
-            </a:pPr>
-            <a:r>
-              <a:rPr lang="en" sz="1600">
-                <a:solidFill>
-                  <a:srgbClr val="000000"/>
-                </a:solidFill>
-              </a:rPr>
-              <a:t>We feel that this semester-long project has taught us many things. None of us had dealt with a project like this before, so it took us a while to just be comfortable with the file structure of the project. We were able to learn about many things that are very real-world applicable, like docker, grunt, and mocha. We learned about containers which we talked about in class, and saw examples of good software engineering, i.e a lot of tests, good comments and clear directions. </a:t>
-            </a:r>
-            <a:r>
-              <a:rPr lang="en" sz="1600">
-                <a:solidFill>
-                  <a:srgbClr val="000000"/>
-                </a:solidFill>
-              </a:rPr>
-              <a:t>We probably learned the most about bash scripting, as the most major component of the project was the script. </a:t>
-            </a:r>
-          </a:p>
-        </p:txBody>
-      </p:sp>
+          <p:cNvPicPr preferRelativeResize="0"/>
+          <p:nvPr/>
+        </p:nvPicPr>
+        <p:blipFill rotWithShape="1">
+          <a:blip r:embed="rId3">
+            <a:alphaModFix/>
+          </a:blip>
+          <a:srcRect b="0" l="4425" r="0" t="11063"/>
+          <a:stretch/>
+        </p:blipFill>
+        <p:spPr>
+          <a:xfrm>
+            <a:off x="513950" y="1236350"/>
+            <a:ext cx="7778275" cy="3581400"/>
+          </a:xfrm>
+          <a:prstGeom prst="rect">
+            <a:avLst/>
+          </a:prstGeom>
+          <a:noFill/>
+          <a:ln>
+            <a:noFill/>
+          </a:ln>
+        </p:spPr>
+      </p:pic>
     </p:spTree>
   </p:cSld>
   <p:clrMapOvr>
@@ -11454,6 +11619,115 @@
             </a:pPr>
             <a:r>
               <a:rPr lang="en"/>
+              <a:t>Lessons learned</a:t>
+            </a:r>
+          </a:p>
+        </p:txBody>
+      </p:sp>
+      <p:sp>
+        <p:nvSpPr>
+          <p:cNvPr id="273" name="Shape 273"/>
+          <p:cNvSpPr txBox="1"/>
+          <p:nvPr>
+            <p:ph idx="1" type="body"/>
+          </p:nvPr>
+        </p:nvSpPr>
+        <p:spPr>
+          <a:xfrm>
+            <a:off x="311700" y="1152475"/>
+            <a:ext cx="8520600" cy="3416400"/>
+          </a:xfrm>
+          <a:prstGeom prst="rect">
+            <a:avLst/>
+          </a:prstGeom>
+        </p:spPr>
+        <p:txBody>
+          <a:bodyPr anchorCtr="0" anchor="t" bIns="91425" lIns="91425" rIns="91425" wrap="square" tIns="91425">
+            <a:noAutofit/>
+          </a:bodyPr>
+          <a:lstStyle/>
+          <a:p>
+            <a:pPr lvl="0">
+              <a:spcBef>
+                <a:spcPts val="0"/>
+              </a:spcBef>
+              <a:buNone/>
+            </a:pPr>
+            <a:r>
+              <a:rPr lang="en" sz="1600">
+                <a:solidFill>
+                  <a:srgbClr val="000000"/>
+                </a:solidFill>
+              </a:rPr>
+              <a:t>We feel that this semester-long project has taught us many things. None of us had dealt with a project like this before, so it took us a while to just be comfortable with the file structure of the project. We were able to learn about many things that are very real-world applicable, like docker, grunt, and mocha. We learned about containers which we talked about in class, and saw examples of good software engineering, i.e a lot of tests, good comments and clear directions. </a:t>
+            </a:r>
+            <a:r>
+              <a:rPr lang="en" sz="1600">
+                <a:solidFill>
+                  <a:srgbClr val="000000"/>
+                </a:solidFill>
+              </a:rPr>
+              <a:t>We probably learned the most about bash scripting, as the most major component of the project was the script. </a:t>
+            </a:r>
+          </a:p>
+        </p:txBody>
+      </p:sp>
+    </p:spTree>
+  </p:cSld>
+  <p:clrMapOvr>
+    <a:masterClrMapping/>
+  </p:clrMapOvr>
+</p:sld>
+</file>
+
+<file path=ppt/slides/slide34.xml><?xml version="1.0" encoding="utf-8"?>
+<p:sld xmlns:a="http://schemas.openxmlformats.org/drawingml/2006/main" xmlns:r="http://schemas.openxmlformats.org/officeDocument/2006/relationships" xmlns:mc="http://schemas.openxmlformats.org/markup-compatibility/2006" xmlns:mv="urn:schemas-microsoft-com:mac:vml" xmlns:p="http://schemas.openxmlformats.org/presentationml/2006/main" xmlns:c="http://schemas.openxmlformats.org/drawingml/2006/chart" xmlns:dgm="http://schemas.openxmlformats.org/drawingml/2006/diagram" xmlns:o="urn:schemas-microsoft-com:office:office" xmlns:v="urn:schemas-microsoft-com:vml" xmlns:pvml="urn:schemas-microsoft-com:office:powerpoint" xmlns:com="http://schemas.openxmlformats.org/drawingml/2006/compatibility" xmlns:p14="http://schemas.microsoft.com/office/powerpoint/2010/main" xmlns:p15="http://schemas.microsoft.com/office/powerpoint/2012/main">
+  <p:cSld>
+    <p:spTree>
+      <p:nvGrpSpPr>
+        <p:cNvPr id="277" name="Shape 277"/>
+        <p:cNvGrpSpPr/>
+        <p:nvPr/>
+      </p:nvGrpSpPr>
+      <p:grpSpPr>
+        <a:xfrm>
+          <a:off x="0" y="0"/>
+          <a:ext cx="0" cy="0"/>
+          <a:chOff x="0" y="0"/>
+          <a:chExt cx="0" cy="0"/>
+        </a:xfrm>
+      </p:grpSpPr>
+      <p:sp>
+        <p:nvSpPr>
+          <p:cNvPr id="278" name="Shape 278"/>
+          <p:cNvSpPr txBox="1"/>
+          <p:nvPr>
+            <p:ph type="title"/>
+          </p:nvPr>
+        </p:nvSpPr>
+        <p:spPr>
+          <a:xfrm>
+            <a:off x="311700" y="445025"/>
+            <a:ext cx="8520600" cy="572700"/>
+          </a:xfrm>
+          <a:prstGeom prst="rect">
+            <a:avLst/>
+          </a:prstGeom>
+        </p:spPr>
+        <p:txBody>
+          <a:bodyPr anchorCtr="0" anchor="t" bIns="91425" lIns="91425" rIns="91425" wrap="square" tIns="91425">
+            <a:noAutofit/>
+          </a:bodyPr>
+          <a:lstStyle/>
+          <a:p>
+            <a:pPr lvl="0" algn="ctr">
+              <a:spcBef>
+                <a:spcPts val="0"/>
+              </a:spcBef>
+              <a:buNone/>
+            </a:pPr>
+            <a:r>
+              <a:rPr lang="en"/>
               <a:t>Works Cited</a:t>
             </a:r>
           </a:p>
@@ -11461,7 +11735,7 @@
       </p:sp>
       <p:sp>
         <p:nvSpPr>
-          <p:cNvPr id="273" name="Shape 273"/>
+          <p:cNvPr id="279" name="Shape 279"/>
           <p:cNvSpPr txBox="1"/>
           <p:nvPr>
             <p:ph idx="1" type="body"/>
@@ -11731,7 +12005,7 @@
                   <a:srgbClr val="FFFFFF"/>
                 </a:highlight>
               </a:rPr>
-              <a:t>Sahana Eden’s features are designed to help Disaster and Emergency Management practitioners to better mitigate, prepare for, respond to and recover from disasters more effectively and efficiently. Sahana Eden can provide valuable solutions for practitioners in Emergency Management, Humanitarian Relief and Social Development domains.</a:t>
+              <a:t>Sahana Eden’s features are designed to help Disaster and Emergency Management practitioners to better prepare for, respond to and recover from disasters more effectively and efficiently. Sahana Eden can provide valuable solutions for practitioners in Emergency Management, Humanitarian Relief and Social Development domains.</a:t>
             </a:r>
           </a:p>
         </p:txBody>
@@ -12248,7 +12522,7 @@
                   <a:srgbClr val="000000"/>
                 </a:solidFill>
               </a:rPr>
-              <a:t>Basically, Enketo Express is a prime component in data collection, data storage, and data transfer. Enketo has been used all around the world for a wide range of uses from needs assessments in </a:t>
+              <a:t>Basically, Enketo Express is a service that serves as a prime component in data collection, data storage, and data transfer. Enketo has been used all around the world for a wide range of uses from needs assessments in </a:t>
             </a:r>
             <a:r>
               <a:rPr lang="en" sz="1600" u="sng">
@@ -12658,6 +12932,285 @@
 </file>
 
 <file path=ppt/theme/theme1.xml><?xml version="1.0" encoding="utf-8"?>
+<a:theme xmlns:a="http://schemas.openxmlformats.org/drawingml/2006/main" xmlns:r="http://schemas.openxmlformats.org/officeDocument/2006/relationships" name="Spearmint">
+  <a:themeElements>
+    <a:clrScheme name="Spearmint">
+      <a:dk1>
+        <a:srgbClr val="202729"/>
+      </a:dk1>
+      <a:lt1>
+        <a:srgbClr val="FFFFFF"/>
+      </a:lt1>
+      <a:dk2>
+        <a:srgbClr val="4BA173"/>
+      </a:dk2>
+      <a:lt2>
+        <a:srgbClr val="63D297"/>
+      </a:lt2>
+      <a:accent1>
+        <a:srgbClr val="353744"/>
+      </a:accent1>
+      <a:accent2>
+        <a:srgbClr val="424242"/>
+      </a:accent2>
+      <a:accent3>
+        <a:srgbClr val="616161"/>
+      </a:accent3>
+      <a:accent4>
+        <a:srgbClr val="999999"/>
+      </a:accent4>
+      <a:accent5>
+        <a:srgbClr val="FF5252"/>
+      </a:accent5>
+      <a:accent6>
+        <a:srgbClr val="FFF176"/>
+      </a:accent6>
+      <a:hlink>
+        <a:srgbClr val="FF5252"/>
+      </a:hlink>
+      <a:folHlink>
+        <a:srgbClr val="FF5252"/>
+      </a:folHlink>
+    </a:clrScheme>
+    <a:fontScheme name="Office">
+      <a:majorFont>
+        <a:latin typeface="Arial"/>
+        <a:ea typeface=""/>
+        <a:cs typeface=""/>
+        <a:font script="Jpan" typeface="ＭＳ Ｐゴシック"/>
+        <a:font script="Hang" typeface="맑은 고딕"/>
+        <a:font script="Hans" typeface="宋体"/>
+        <a:font script="Hant" typeface="新細明體"/>
+        <a:font script="Arab" typeface="Times New Roman"/>
+        <a:font script="Hebr" typeface="Times New Roman"/>
+        <a:font script="Thai" typeface="Angsana New"/>
+        <a:font script="Ethi" typeface="Nyala"/>
+        <a:font script="Beng" typeface="Vrinda"/>
+        <a:font script="Gujr" typeface="Shruti"/>
+        <a:font script="Khmr" typeface="MoolBoran"/>
+        <a:font script="Knda" typeface="Tunga"/>
+        <a:font script="Guru" typeface="Raavi"/>
+        <a:font script="Cans" typeface="Euphemia"/>
+        <a:font script="Cher" typeface="Plantagenet Cherokee"/>
+        <a:font script="Yiii" typeface="Microsoft Yi Baiti"/>
+        <a:font script="Tibt" typeface="Microsoft Himalaya"/>
+        <a:font script="Thaa" typeface="MV Boli"/>
+        <a:font script="Deva" typeface="Mangal"/>
+        <a:font script="Telu" typeface="Gautami"/>
+        <a:font script="Taml" typeface="Latha"/>
+        <a:font script="Syrc" typeface="Estrangelo Edessa"/>
+        <a:font script="Orya" typeface="Kalinga"/>
+        <a:font script="Mlym" typeface="Kartika"/>
+        <a:font script="Laoo" typeface="DokChampa"/>
+        <a:font script="Sinh" typeface="Iskoola Pota"/>
+        <a:font script="Mong" typeface="Mongolian Baiti"/>
+        <a:font script="Viet" typeface="Times New Roman"/>
+        <a:font script="Uigh" typeface="Microsoft Uighur"/>
+        <a:font script="Geor" typeface="Sylfaen"/>
+      </a:majorFont>
+      <a:minorFont>
+        <a:latin typeface="Arial"/>
+        <a:ea typeface=""/>
+        <a:cs typeface=""/>
+        <a:font script="Jpan" typeface="ＭＳ Ｐゴシック"/>
+        <a:font script="Hang" typeface="맑은 고딕"/>
+        <a:font script="Hans" typeface="宋体"/>
+        <a:font script="Hant" typeface="新細明體"/>
+        <a:font script="Arab" typeface="Arial"/>
+        <a:font script="Hebr" typeface="Arial"/>
+        <a:font script="Thai" typeface="Cordia New"/>
+        <a:font script="Ethi" typeface="Nyala"/>
+        <a:font script="Beng" typeface="Vrinda"/>
+        <a:font script="Gujr" typeface="Shruti"/>
+        <a:font script="Khmr" typeface="DaunPenh"/>
+        <a:font script="Knda" typeface="Tunga"/>
+        <a:font script="Guru" typeface="Raavi"/>
+        <a:font script="Cans" typeface="Euphemia"/>
+        <a:font script="Cher" typeface="Plantagenet Cherokee"/>
+        <a:font script="Yiii" typeface="Microsoft Yi Baiti"/>
+        <a:font script="Tibt" typeface="Microsoft Himalaya"/>
+        <a:font script="Thaa" typeface="MV Boli"/>
+        <a:font script="Deva" typeface="Mangal"/>
+        <a:font script="Telu" typeface="Gautami"/>
+        <a:font script="Taml" typeface="Latha"/>
+        <a:font script="Syrc" typeface="Estrangelo Edessa"/>
+        <a:font script="Orya" typeface="Kalinga"/>
+        <a:font script="Mlym" typeface="Kartika"/>
+        <a:font script="Laoo" typeface="DokChampa"/>
+        <a:font script="Sinh" typeface="Iskoola Pota"/>
+        <a:font script="Mong" typeface="Mongolian Baiti"/>
+        <a:font script="Viet" typeface="Arial"/>
+        <a:font script="Uigh" typeface="Microsoft Uighur"/>
+        <a:font script="Geor" typeface="Sylfaen"/>
+      </a:minorFont>
+    </a:fontScheme>
+    <a:fmtScheme name="Office">
+      <a:fillStyleLst>
+        <a:solidFill>
+          <a:schemeClr val="phClr"/>
+        </a:solidFill>
+        <a:gradFill rotWithShape="1">
+          <a:gsLst>
+            <a:gs pos="0">
+              <a:schemeClr val="phClr">
+                <a:tint val="50000"/>
+                <a:satMod val="300000"/>
+              </a:schemeClr>
+            </a:gs>
+            <a:gs pos="35000">
+              <a:schemeClr val="phClr">
+                <a:tint val="37000"/>
+                <a:satMod val="300000"/>
+              </a:schemeClr>
+            </a:gs>
+            <a:gs pos="100000">
+              <a:schemeClr val="phClr">
+                <a:tint val="15000"/>
+                <a:satMod val="350000"/>
+              </a:schemeClr>
+            </a:gs>
+          </a:gsLst>
+          <a:lin ang="16200000" scaled="1"/>
+        </a:gradFill>
+        <a:gradFill rotWithShape="1">
+          <a:gsLst>
+            <a:gs pos="0">
+              <a:schemeClr val="phClr">
+                <a:tint val="100000"/>
+                <a:shade val="100000"/>
+                <a:satMod val="130000"/>
+              </a:schemeClr>
+            </a:gs>
+            <a:gs pos="100000">
+              <a:schemeClr val="phClr">
+                <a:tint val="50000"/>
+                <a:shade val="100000"/>
+                <a:satMod val="350000"/>
+              </a:schemeClr>
+            </a:gs>
+          </a:gsLst>
+          <a:lin ang="16200000" scaled="0"/>
+        </a:gradFill>
+      </a:fillStyleLst>
+      <a:lnStyleLst>
+        <a:ln w="9525" cap="flat" cmpd="sng" algn="ctr">
+          <a:solidFill>
+            <a:schemeClr val="phClr">
+              <a:shade val="95000"/>
+              <a:satMod val="105000"/>
+            </a:schemeClr>
+          </a:solidFill>
+          <a:prstDash val="solid"/>
+        </a:ln>
+        <a:ln w="25400" cap="flat" cmpd="sng" algn="ctr">
+          <a:solidFill>
+            <a:schemeClr val="phClr"/>
+          </a:solidFill>
+          <a:prstDash val="solid"/>
+        </a:ln>
+        <a:ln w="38100" cap="flat" cmpd="sng" algn="ctr">
+          <a:solidFill>
+            <a:schemeClr val="phClr"/>
+          </a:solidFill>
+          <a:prstDash val="solid"/>
+        </a:ln>
+      </a:lnStyleLst>
+      <a:effectStyleLst>
+        <a:effectStyle>
+          <a:effectLst>
+            <a:outerShdw blurRad="40000" dist="20000" dir="5400000" rotWithShape="0">
+              <a:srgbClr val="000000">
+                <a:alpha val="38000"/>
+              </a:srgbClr>
+            </a:outerShdw>
+          </a:effectLst>
+        </a:effectStyle>
+        <a:effectStyle>
+          <a:effectLst>
+            <a:outerShdw blurRad="40000" dist="23000" dir="5400000" rotWithShape="0">
+              <a:srgbClr val="000000">
+                <a:alpha val="35000"/>
+              </a:srgbClr>
+            </a:outerShdw>
+          </a:effectLst>
+        </a:effectStyle>
+        <a:effectStyle>
+          <a:effectLst>
+            <a:outerShdw blurRad="40000" dist="23000" dir="5400000" rotWithShape="0">
+              <a:srgbClr val="000000">
+                <a:alpha val="35000"/>
+              </a:srgbClr>
+            </a:outerShdw>
+          </a:effectLst>
+          <a:scene3d>
+            <a:camera prst="orthographicFront">
+              <a:rot lat="0" lon="0" rev="0"/>
+            </a:camera>
+            <a:lightRig rig="threePt" dir="t">
+              <a:rot lat="0" lon="0" rev="1200000"/>
+            </a:lightRig>
+          </a:scene3d>
+          <a:sp3d>
+            <a:bevelT w="63500" h="25400"/>
+          </a:sp3d>
+        </a:effectStyle>
+      </a:effectStyleLst>
+      <a:bgFillStyleLst>
+        <a:solidFill>
+          <a:schemeClr val="phClr"/>
+        </a:solidFill>
+        <a:gradFill rotWithShape="1">
+          <a:gsLst>
+            <a:gs pos="0">
+              <a:schemeClr val="phClr">
+                <a:tint val="40000"/>
+                <a:satMod val="350000"/>
+              </a:schemeClr>
+            </a:gs>
+            <a:gs pos="40000">
+              <a:schemeClr val="phClr">
+                <a:tint val="45000"/>
+                <a:shade val="99000"/>
+                <a:satMod val="350000"/>
+              </a:schemeClr>
+            </a:gs>
+            <a:gs pos="100000">
+              <a:schemeClr val="phClr">
+                <a:shade val="20000"/>
+                <a:satMod val="255000"/>
+              </a:schemeClr>
+            </a:gs>
+          </a:gsLst>
+          <a:path path="circle">
+            <a:fillToRect l="50000" t="-80000" r="50000" b="180000"/>
+          </a:path>
+        </a:gradFill>
+        <a:gradFill rotWithShape="1">
+          <a:gsLst>
+            <a:gs pos="0">
+              <a:schemeClr val="phClr">
+                <a:tint val="80000"/>
+                <a:satMod val="300000"/>
+              </a:schemeClr>
+            </a:gs>
+            <a:gs pos="100000">
+              <a:schemeClr val="phClr">
+                <a:shade val="30000"/>
+                <a:satMod val="200000"/>
+              </a:schemeClr>
+            </a:gs>
+          </a:gsLst>
+          <a:path path="circle">
+            <a:fillToRect l="50000" t="50000" r="50000" b="50000"/>
+          </a:path>
+        </a:gradFill>
+      </a:bgFillStyleLst>
+    </a:fmtScheme>
+  </a:themeElements>
+</a:theme>
+</file>
+
+<file path=ppt/theme/theme2.xml><?xml version="1.0" encoding="utf-8"?>
 <a:theme xmlns:a="http://schemas.openxmlformats.org/drawingml/2006/main" xmlns:r="http://schemas.openxmlformats.org/officeDocument/2006/relationships" name="Custom Theme">
   <a:themeElements>
     <a:clrScheme name="Default">
@@ -12934,283 +13487,4 @@
     </a:fmtScheme>
   </a:themeElements>
 </a:theme>
-</file>
-
-<file path=ppt/theme/theme2.xml><?xml version="1.0" encoding="utf-8"?>
-<a:theme xmlns:a="http://schemas.openxmlformats.org/drawingml/2006/main" xmlns:r="http://schemas.openxmlformats.org/officeDocument/2006/relationships" name="Spearmint">
-  <a:themeElements>
-    <a:clrScheme name="Spearmint">
-      <a:dk1>
-        <a:srgbClr val="202729"/>
-      </a:dk1>
-      <a:lt1>
-        <a:srgbClr val="FFFFFF"/>
-      </a:lt1>
-      <a:dk2>
-        <a:srgbClr val="4BA173"/>
-      </a:dk2>
-      <a:lt2>
-        <a:srgbClr val="63D297"/>
-      </a:lt2>
-      <a:accent1>
-        <a:srgbClr val="353744"/>
-      </a:accent1>
-      <a:accent2>
-        <a:srgbClr val="424242"/>
-      </a:accent2>
-      <a:accent3>
-        <a:srgbClr val="616161"/>
-      </a:accent3>
-      <a:accent4>
-        <a:srgbClr val="999999"/>
-      </a:accent4>
-      <a:accent5>
-        <a:srgbClr val="FF5252"/>
-      </a:accent5>
-      <a:accent6>
-        <a:srgbClr val="FFF176"/>
-      </a:accent6>
-      <a:hlink>
-        <a:srgbClr val="FF5252"/>
-      </a:hlink>
-      <a:folHlink>
-        <a:srgbClr val="FF5252"/>
-      </a:folHlink>
-    </a:clrScheme>
-    <a:fontScheme name="Office">
-      <a:majorFont>
-        <a:latin typeface="Arial"/>
-        <a:ea typeface=""/>
-        <a:cs typeface=""/>
-        <a:font script="Jpan" typeface="ＭＳ Ｐゴシック"/>
-        <a:font script="Hang" typeface="맑은 고딕"/>
-        <a:font script="Hans" typeface="宋体"/>
-        <a:font script="Hant" typeface="新細明體"/>
-        <a:font script="Arab" typeface="Times New Roman"/>
-        <a:font script="Hebr" typeface="Times New Roman"/>
-        <a:font script="Thai" typeface="Angsana New"/>
-        <a:font script="Ethi" typeface="Nyala"/>
-        <a:font script="Beng" typeface="Vrinda"/>
-        <a:font script="Gujr" typeface="Shruti"/>
-        <a:font script="Khmr" typeface="MoolBoran"/>
-        <a:font script="Knda" typeface="Tunga"/>
-        <a:font script="Guru" typeface="Raavi"/>
-        <a:font script="Cans" typeface="Euphemia"/>
-        <a:font script="Cher" typeface="Plantagenet Cherokee"/>
-        <a:font script="Yiii" typeface="Microsoft Yi Baiti"/>
-        <a:font script="Tibt" typeface="Microsoft Himalaya"/>
-        <a:font script="Thaa" typeface="MV Boli"/>
-        <a:font script="Deva" typeface="Mangal"/>
-        <a:font script="Telu" typeface="Gautami"/>
-        <a:font script="Taml" typeface="Latha"/>
-        <a:font script="Syrc" typeface="Estrangelo Edessa"/>
-        <a:font script="Orya" typeface="Kalinga"/>
-        <a:font script="Mlym" typeface="Kartika"/>
-        <a:font script="Laoo" typeface="DokChampa"/>
-        <a:font script="Sinh" typeface="Iskoola Pota"/>
-        <a:font script="Mong" typeface="Mongolian Baiti"/>
-        <a:font script="Viet" typeface="Times New Roman"/>
-        <a:font script="Uigh" typeface="Microsoft Uighur"/>
-        <a:font script="Geor" typeface="Sylfaen"/>
-      </a:majorFont>
-      <a:minorFont>
-        <a:latin typeface="Arial"/>
-        <a:ea typeface=""/>
-        <a:cs typeface=""/>
-        <a:font script="Jpan" typeface="ＭＳ Ｐゴシック"/>
-        <a:font script="Hang" typeface="맑은 고딕"/>
-        <a:font script="Hans" typeface="宋体"/>
-        <a:font script="Hant" typeface="新細明體"/>
-        <a:font script="Arab" typeface="Arial"/>
-        <a:font script="Hebr" typeface="Arial"/>
-        <a:font script="Thai" typeface="Cordia New"/>
-        <a:font script="Ethi" typeface="Nyala"/>
-        <a:font script="Beng" typeface="Vrinda"/>
-        <a:font script="Gujr" typeface="Shruti"/>
-        <a:font script="Khmr" typeface="DaunPenh"/>
-        <a:font script="Knda" typeface="Tunga"/>
-        <a:font script="Guru" typeface="Raavi"/>
-        <a:font script="Cans" typeface="Euphemia"/>
-        <a:font script="Cher" typeface="Plantagenet Cherokee"/>
-        <a:font script="Yiii" typeface="Microsoft Yi Baiti"/>
-        <a:font script="Tibt" typeface="Microsoft Himalaya"/>
-        <a:font script="Thaa" typeface="MV Boli"/>
-        <a:font script="Deva" typeface="Mangal"/>
-        <a:font script="Telu" typeface="Gautami"/>
-        <a:font script="Taml" typeface="Latha"/>
-        <a:font script="Syrc" typeface="Estrangelo Edessa"/>
-        <a:font script="Orya" typeface="Kalinga"/>
-        <a:font script="Mlym" typeface="Kartika"/>
-        <a:font script="Laoo" typeface="DokChampa"/>
-        <a:font script="Sinh" typeface="Iskoola Pota"/>
-        <a:font script="Mong" typeface="Mongolian Baiti"/>
-        <a:font script="Viet" typeface="Arial"/>
-        <a:font script="Uigh" typeface="Microsoft Uighur"/>
-        <a:font script="Geor" typeface="Sylfaen"/>
-      </a:minorFont>
-    </a:fontScheme>
-    <a:fmtScheme name="Office">
-      <a:fillStyleLst>
-        <a:solidFill>
-          <a:schemeClr val="phClr"/>
-        </a:solidFill>
-        <a:gradFill rotWithShape="1">
-          <a:gsLst>
-            <a:gs pos="0">
-              <a:schemeClr val="phClr">
-                <a:tint val="50000"/>
-                <a:satMod val="300000"/>
-              </a:schemeClr>
-            </a:gs>
-            <a:gs pos="35000">
-              <a:schemeClr val="phClr">
-                <a:tint val="37000"/>
-                <a:satMod val="300000"/>
-              </a:schemeClr>
-            </a:gs>
-            <a:gs pos="100000">
-              <a:schemeClr val="phClr">
-                <a:tint val="15000"/>
-                <a:satMod val="350000"/>
-              </a:schemeClr>
-            </a:gs>
-          </a:gsLst>
-          <a:lin ang="16200000" scaled="1"/>
-        </a:gradFill>
-        <a:gradFill rotWithShape="1">
-          <a:gsLst>
-            <a:gs pos="0">
-              <a:schemeClr val="phClr">
-                <a:tint val="100000"/>
-                <a:shade val="100000"/>
-                <a:satMod val="130000"/>
-              </a:schemeClr>
-            </a:gs>
-            <a:gs pos="100000">
-              <a:schemeClr val="phClr">
-                <a:tint val="50000"/>
-                <a:shade val="100000"/>
-                <a:satMod val="350000"/>
-              </a:schemeClr>
-            </a:gs>
-          </a:gsLst>
-          <a:lin ang="16200000" scaled="0"/>
-        </a:gradFill>
-      </a:fillStyleLst>
-      <a:lnStyleLst>
-        <a:ln w="9525" cap="flat" cmpd="sng" algn="ctr">
-          <a:solidFill>
-            <a:schemeClr val="phClr">
-              <a:shade val="95000"/>
-              <a:satMod val="105000"/>
-            </a:schemeClr>
-          </a:solidFill>
-          <a:prstDash val="solid"/>
-        </a:ln>
-        <a:ln w="25400" cap="flat" cmpd="sng" algn="ctr">
-          <a:solidFill>
-            <a:schemeClr val="phClr"/>
-          </a:solidFill>
-          <a:prstDash val="solid"/>
-        </a:ln>
-        <a:ln w="38100" cap="flat" cmpd="sng" algn="ctr">
-          <a:solidFill>
-            <a:schemeClr val="phClr"/>
-          </a:solidFill>
-          <a:prstDash val="solid"/>
-        </a:ln>
-      </a:lnStyleLst>
-      <a:effectStyleLst>
-        <a:effectStyle>
-          <a:effectLst>
-            <a:outerShdw blurRad="40000" dist="20000" dir="5400000" rotWithShape="0">
-              <a:srgbClr val="000000">
-                <a:alpha val="38000"/>
-              </a:srgbClr>
-            </a:outerShdw>
-          </a:effectLst>
-        </a:effectStyle>
-        <a:effectStyle>
-          <a:effectLst>
-            <a:outerShdw blurRad="40000" dist="23000" dir="5400000" rotWithShape="0">
-              <a:srgbClr val="000000">
-                <a:alpha val="35000"/>
-              </a:srgbClr>
-            </a:outerShdw>
-          </a:effectLst>
-        </a:effectStyle>
-        <a:effectStyle>
-          <a:effectLst>
-            <a:outerShdw blurRad="40000" dist="23000" dir="5400000" rotWithShape="0">
-              <a:srgbClr val="000000">
-                <a:alpha val="35000"/>
-              </a:srgbClr>
-            </a:outerShdw>
-          </a:effectLst>
-          <a:scene3d>
-            <a:camera prst="orthographicFront">
-              <a:rot lat="0" lon="0" rev="0"/>
-            </a:camera>
-            <a:lightRig rig="threePt" dir="t">
-              <a:rot lat="0" lon="0" rev="1200000"/>
-            </a:lightRig>
-          </a:scene3d>
-          <a:sp3d>
-            <a:bevelT w="63500" h="25400"/>
-          </a:sp3d>
-        </a:effectStyle>
-      </a:effectStyleLst>
-      <a:bgFillStyleLst>
-        <a:solidFill>
-          <a:schemeClr val="phClr"/>
-        </a:solidFill>
-        <a:gradFill rotWithShape="1">
-          <a:gsLst>
-            <a:gs pos="0">
-              <a:schemeClr val="phClr">
-                <a:tint val="40000"/>
-                <a:satMod val="350000"/>
-              </a:schemeClr>
-            </a:gs>
-            <a:gs pos="40000">
-              <a:schemeClr val="phClr">
-                <a:tint val="45000"/>
-                <a:shade val="99000"/>
-                <a:satMod val="350000"/>
-              </a:schemeClr>
-            </a:gs>
-            <a:gs pos="100000">
-              <a:schemeClr val="phClr">
-                <a:shade val="20000"/>
-                <a:satMod val="255000"/>
-              </a:schemeClr>
-            </a:gs>
-          </a:gsLst>
-          <a:path path="circle">
-            <a:fillToRect l="50000" t="-80000" r="50000" b="180000"/>
-          </a:path>
-        </a:gradFill>
-        <a:gradFill rotWithShape="1">
-          <a:gsLst>
-            <a:gs pos="0">
-              <a:schemeClr val="phClr">
-                <a:tint val="80000"/>
-                <a:satMod val="300000"/>
-              </a:schemeClr>
-            </a:gs>
-            <a:gs pos="100000">
-              <a:schemeClr val="phClr">
-                <a:shade val="30000"/>
-                <a:satMod val="200000"/>
-              </a:schemeClr>
-            </a:gs>
-          </a:gsLst>
-          <a:path path="circle">
-            <a:fillToRect l="50000" t="50000" r="50000" b="50000"/>
-          </a:path>
-        </a:gradFill>
-      </a:bgFillStyleLst>
-    </a:fmtScheme>
-  </a:themeElements>
-</a:theme>
 </file>